--- a/img/drafts/sketch_labeled.pptx
+++ b/img/drafts/sketch_labeled.pptx
@@ -104,6 +104,11 @@
       </a:defRPr>
     </a:lvl9pPr>
   </p:defaultTextStyle>
+  <p:extLst>
+    <p:ext uri="{EFAFB233-063F-42B5-8137-9DF3F51BA10A}">
+      <p15:sldGuideLst xmlns:p15="http://schemas.microsoft.com/office/powerpoint/2012/main"/>
+    </p:ext>
+  </p:extLst>
 </p:presentation>
 </file>
 
@@ -4122,12 +4127,61 @@
           </a:p>
         </p:txBody>
       </p:sp>
+      <p:sp>
+        <p:nvSpPr>
+          <p:cNvPr id="28" name="TextBox 27">
+            <a:extLst>
+              <a:ext uri="{FF2B5EF4-FFF2-40B4-BE49-F238E27FC236}">
+                <a16:creationId xmlns:a16="http://schemas.microsoft.com/office/drawing/2014/main" id="{5AC975D5-40BA-70AA-1DBC-C5241D4C1027}"/>
+              </a:ext>
+            </a:extLst>
+          </p:cNvPr>
+          <p:cNvSpPr txBox="1"/>
+          <p:nvPr/>
+        </p:nvSpPr>
+        <p:spPr>
+          <a:xfrm>
+            <a:off x="10477956" y="1052945"/>
+            <a:ext cx="1714043" cy="600164"/>
+          </a:xfrm>
+          <a:prstGeom prst="rect">
+            <a:avLst/>
+          </a:prstGeom>
+          <a:noFill/>
+        </p:spPr>
+        <p:txBody>
+          <a:bodyPr wrap="square" rtlCol="0">
+            <a:spAutoFit/>
+          </a:bodyPr>
+          <a:lstStyle/>
+          <a:p>
+            <a:r>
+              <a:rPr lang="en-US" sz="1100" dirty="0">
+                <a:solidFill>
+                  <a:srgbClr val="FF0000"/>
+                </a:solidFill>
+              </a:rPr>
+              <a:t>WORLD EDUCATION </a:t>
+            </a:r>
+          </a:p>
+          <a:p>
+            <a:r>
+              <a:rPr lang="en-US" sz="1100" dirty="0">
+                <a:solidFill>
+                  <a:srgbClr val="FF0000"/>
+                </a:solidFill>
+              </a:rPr>
+              <a:t>HEAT MAP which we can visualize each feature</a:t>
+            </a:r>
+          </a:p>
+        </p:txBody>
+      </p:sp>
       <p:cxnSp>
         <p:nvCxnSpPr>
-          <p:cNvPr id="26" name="Straight Arrow Connector 25">
-            <a:extLst>
-              <a:ext uri="{FF2B5EF4-FFF2-40B4-BE49-F238E27FC236}">
-                <a16:creationId xmlns:a16="http://schemas.microsoft.com/office/drawing/2014/main" id="{7D7A66C1-D78F-C0B0-A70C-CEAEF589198A}"/>
+          <p:cNvPr id="29" name="Straight Arrow Connector 28">
+            <a:extLst>
+              <a:ext uri="{FF2B5EF4-FFF2-40B4-BE49-F238E27FC236}">
+                <a16:creationId xmlns:a16="http://schemas.microsoft.com/office/drawing/2014/main" id="{B96E5980-CFF4-FA47-9781-92BD010D005A}"/>
               </a:ext>
             </a:extLst>
           </p:cNvPr>
@@ -4137,9 +4191,9 @@
           <p:nvPr/>
         </p:nvCxnSpPr>
         <p:spPr>
-          <a:xfrm flipH="1">
-            <a:off x="9223513" y="2088304"/>
-            <a:ext cx="784783" cy="361081"/>
+          <a:xfrm flipH="1" flipV="1">
+            <a:off x="9298669" y="6056536"/>
+            <a:ext cx="784783" cy="303143"/>
           </a:xfrm>
           <a:prstGeom prst="straightConnector1">
             <a:avLst/>
@@ -4168,10 +4222,10 @@
       </p:cxnSp>
       <p:sp>
         <p:nvSpPr>
-          <p:cNvPr id="28" name="TextBox 27">
-            <a:extLst>
-              <a:ext uri="{FF2B5EF4-FFF2-40B4-BE49-F238E27FC236}">
-                <a16:creationId xmlns:a16="http://schemas.microsoft.com/office/drawing/2014/main" id="{5AC975D5-40BA-70AA-1DBC-C5241D4C1027}"/>
+          <p:cNvPr id="30" name="TextBox 29">
+            <a:extLst>
+              <a:ext uri="{FF2B5EF4-FFF2-40B4-BE49-F238E27FC236}">
+                <a16:creationId xmlns:a16="http://schemas.microsoft.com/office/drawing/2014/main" id="{C22F21FC-89C0-2F1F-52CF-6CDBF932036F}"/>
               </a:ext>
             </a:extLst>
           </p:cNvPr>
@@ -4180,7 +4234,7 @@
         </p:nvSpPr>
         <p:spPr>
           <a:xfrm>
-            <a:off x="10008296" y="1922049"/>
+            <a:off x="10083452" y="6193424"/>
             <a:ext cx="1453019" cy="430887"/>
           </a:xfrm>
           <a:prstGeom prst="rect">
@@ -4200,27 +4254,17 @@
                   <a:srgbClr val="FF0000"/>
                 </a:solidFill>
               </a:rPr>
-              <a:t>WORLD EDUCATION </a:t>
-            </a:r>
-          </a:p>
-          <a:p>
-            <a:r>
-              <a:rPr lang="en-US" sz="1100" dirty="0">
-                <a:solidFill>
-                  <a:srgbClr val="FF0000"/>
-                </a:solidFill>
-              </a:rPr>
-              <a:t>MAP INDICATORS</a:t>
+              <a:t>DATA TABLE showing filtered statistics</a:t>
             </a:r>
           </a:p>
         </p:txBody>
       </p:sp>
       <p:cxnSp>
         <p:nvCxnSpPr>
-          <p:cNvPr id="29" name="Straight Arrow Connector 28">
-            <a:extLst>
-              <a:ext uri="{FF2B5EF4-FFF2-40B4-BE49-F238E27FC236}">
-                <a16:creationId xmlns:a16="http://schemas.microsoft.com/office/drawing/2014/main" id="{B96E5980-CFF4-FA47-9781-92BD010D005A}"/>
+          <p:cNvPr id="34" name="Straight Arrow Connector 33">
+            <a:extLst>
+              <a:ext uri="{FF2B5EF4-FFF2-40B4-BE49-F238E27FC236}">
+                <a16:creationId xmlns:a16="http://schemas.microsoft.com/office/drawing/2014/main" id="{EA5CE0AE-1F54-2E54-7A60-80F9E9FBED7F}"/>
               </a:ext>
             </a:extLst>
           </p:cNvPr>
@@ -4230,9 +4274,9 @@
           <p:nvPr/>
         </p:nvCxnSpPr>
         <p:spPr>
-          <a:xfrm flipH="1" flipV="1">
-            <a:off x="9298669" y="6056536"/>
-            <a:ext cx="784783" cy="303143"/>
+          <a:xfrm>
+            <a:off x="1235901" y="597480"/>
+            <a:ext cx="588229" cy="279342"/>
           </a:xfrm>
           <a:prstGeom prst="straightConnector1">
             <a:avLst/>
@@ -4261,10 +4305,10 @@
       </p:cxnSp>
       <p:sp>
         <p:nvSpPr>
-          <p:cNvPr id="30" name="TextBox 29">
-            <a:extLst>
-              <a:ext uri="{FF2B5EF4-FFF2-40B4-BE49-F238E27FC236}">
-                <a16:creationId xmlns:a16="http://schemas.microsoft.com/office/drawing/2014/main" id="{C22F21FC-89C0-2F1F-52CF-6CDBF932036F}"/>
+          <p:cNvPr id="35" name="TextBox 34">
+            <a:extLst>
+              <a:ext uri="{FF2B5EF4-FFF2-40B4-BE49-F238E27FC236}">
+                <a16:creationId xmlns:a16="http://schemas.microsoft.com/office/drawing/2014/main" id="{E553F4EB-C3FB-1487-E8D7-8ECC13F44FB3}"/>
               </a:ext>
             </a:extLst>
           </p:cNvPr>
@@ -4273,8 +4317,8 @@
         </p:nvSpPr>
         <p:spPr>
           <a:xfrm>
-            <a:off x="10083452" y="6193424"/>
-            <a:ext cx="1453019" cy="430887"/>
+            <a:off x="22405" y="287167"/>
+            <a:ext cx="2246335" cy="261610"/>
           </a:xfrm>
           <a:prstGeom prst="rect">
             <a:avLst/>
@@ -4293,17 +4337,17 @@
                   <a:srgbClr val="FF0000"/>
                 </a:solidFill>
               </a:rPr>
-              <a:t>DATA TABLE showing filtered statistics</a:t>
+              <a:t>Dashboard title and filter toggle</a:t>
             </a:r>
           </a:p>
         </p:txBody>
       </p:sp>
       <p:cxnSp>
         <p:nvCxnSpPr>
-          <p:cNvPr id="32" name="Straight Arrow Connector 31">
-            <a:extLst>
-              <a:ext uri="{FF2B5EF4-FFF2-40B4-BE49-F238E27FC236}">
-                <a16:creationId xmlns:a16="http://schemas.microsoft.com/office/drawing/2014/main" id="{EC4E1097-EEF1-9F63-9C4A-6955984C4E7B}"/>
+          <p:cNvPr id="37" name="Straight Arrow Connector 36">
+            <a:extLst>
+              <a:ext uri="{FF2B5EF4-FFF2-40B4-BE49-F238E27FC236}">
+                <a16:creationId xmlns:a16="http://schemas.microsoft.com/office/drawing/2014/main" id="{E6C78BCF-8084-1A6F-AE73-CFC92CF11D98}"/>
               </a:ext>
             </a:extLst>
           </p:cNvPr>
@@ -4313,9 +4357,9 @@
           <p:nvPr/>
         </p:nvCxnSpPr>
         <p:spPr>
-          <a:xfrm flipH="1" flipV="1">
-            <a:off x="4584707" y="6051664"/>
-            <a:ext cx="784783" cy="303143"/>
+          <a:xfrm>
+            <a:off x="1213496" y="1678951"/>
+            <a:ext cx="588229" cy="279342"/>
           </a:xfrm>
           <a:prstGeom prst="straightConnector1">
             <a:avLst/>
@@ -4344,10 +4388,10 @@
       </p:cxnSp>
       <p:sp>
         <p:nvSpPr>
-          <p:cNvPr id="33" name="TextBox 32">
-            <a:extLst>
-              <a:ext uri="{FF2B5EF4-FFF2-40B4-BE49-F238E27FC236}">
-                <a16:creationId xmlns:a16="http://schemas.microsoft.com/office/drawing/2014/main" id="{60C19D0F-3882-1CEB-BE8C-D9055B244DC2}"/>
+          <p:cNvPr id="38" name="TextBox 37">
+            <a:extLst>
+              <a:ext uri="{FF2B5EF4-FFF2-40B4-BE49-F238E27FC236}">
+                <a16:creationId xmlns:a16="http://schemas.microsoft.com/office/drawing/2014/main" id="{2F32C2E9-C7E8-36EC-35BF-1FF3D77DE510}"/>
               </a:ext>
             </a:extLst>
           </p:cNvPr>
@@ -4356,8 +4400,8 @@
         </p:nvSpPr>
         <p:spPr>
           <a:xfrm>
-            <a:off x="5369490" y="6188552"/>
-            <a:ext cx="2246335" cy="430887"/>
+            <a:off x="0" y="1368638"/>
+            <a:ext cx="2246335" cy="261610"/>
           </a:xfrm>
           <a:prstGeom prst="rect">
             <a:avLst/>
@@ -4376,17 +4420,17 @@
                   <a:srgbClr val="FF0000"/>
                 </a:solidFill>
               </a:rPr>
-              <a:t>Bar charts / stream charts for comparing trends</a:t>
+              <a:t>Dropdown menus</a:t>
             </a:r>
           </a:p>
         </p:txBody>
       </p:sp>
       <p:cxnSp>
         <p:nvCxnSpPr>
-          <p:cNvPr id="34" name="Straight Arrow Connector 33">
-            <a:extLst>
-              <a:ext uri="{FF2B5EF4-FFF2-40B4-BE49-F238E27FC236}">
-                <a16:creationId xmlns:a16="http://schemas.microsoft.com/office/drawing/2014/main" id="{EA5CE0AE-1F54-2E54-7A60-80F9E9FBED7F}"/>
+          <p:cNvPr id="39" name="Straight Arrow Connector 38">
+            <a:extLst>
+              <a:ext uri="{FF2B5EF4-FFF2-40B4-BE49-F238E27FC236}">
+                <a16:creationId xmlns:a16="http://schemas.microsoft.com/office/drawing/2014/main" id="{0E8F81C4-B4D6-EB1D-01CA-AA0228A25A75}"/>
               </a:ext>
             </a:extLst>
           </p:cNvPr>
@@ -4397,7 +4441,7 @@
         </p:nvCxnSpPr>
         <p:spPr>
           <a:xfrm>
-            <a:off x="1235901" y="597480"/>
+            <a:off x="1125814" y="2743663"/>
             <a:ext cx="588229" cy="279342"/>
           </a:xfrm>
           <a:prstGeom prst="straightConnector1">
@@ -4427,10 +4471,10 @@
       </p:cxnSp>
       <p:sp>
         <p:nvSpPr>
-          <p:cNvPr id="35" name="TextBox 34">
-            <a:extLst>
-              <a:ext uri="{FF2B5EF4-FFF2-40B4-BE49-F238E27FC236}">
-                <a16:creationId xmlns:a16="http://schemas.microsoft.com/office/drawing/2014/main" id="{E553F4EB-C3FB-1487-E8D7-8ECC13F44FB3}"/>
+          <p:cNvPr id="40" name="TextBox 39">
+            <a:extLst>
+              <a:ext uri="{FF2B5EF4-FFF2-40B4-BE49-F238E27FC236}">
+                <a16:creationId xmlns:a16="http://schemas.microsoft.com/office/drawing/2014/main" id="{BAE2C428-8C40-5691-6A68-1DFBC50EA761}"/>
               </a:ext>
             </a:extLst>
           </p:cNvPr>
@@ -4439,7 +4483,7 @@
         </p:nvSpPr>
         <p:spPr>
           <a:xfrm>
-            <a:off x="22405" y="287167"/>
+            <a:off x="296760" y="2471618"/>
             <a:ext cx="2246335" cy="261610"/>
           </a:xfrm>
           <a:prstGeom prst="rect">
@@ -4459,17 +4503,17 @@
                   <a:srgbClr val="FF0000"/>
                 </a:solidFill>
               </a:rPr>
-              <a:t>Dashboard title and filter toggle</a:t>
+              <a:t>Slider filters</a:t>
             </a:r>
           </a:p>
         </p:txBody>
       </p:sp>
       <p:cxnSp>
         <p:nvCxnSpPr>
-          <p:cNvPr id="37" name="Straight Arrow Connector 36">
-            <a:extLst>
-              <a:ext uri="{FF2B5EF4-FFF2-40B4-BE49-F238E27FC236}">
-                <a16:creationId xmlns:a16="http://schemas.microsoft.com/office/drawing/2014/main" id="{E6C78BCF-8084-1A6F-AE73-CFC92CF11D98}"/>
+          <p:cNvPr id="41" name="Straight Arrow Connector 40">
+            <a:extLst>
+              <a:ext uri="{FF2B5EF4-FFF2-40B4-BE49-F238E27FC236}">
+                <a16:creationId xmlns:a16="http://schemas.microsoft.com/office/drawing/2014/main" id="{602A4A64-4DD2-12DE-D831-0B03E58C96B8}"/>
               </a:ext>
             </a:extLst>
           </p:cNvPr>
@@ -4479,9 +4523,9 @@
           <p:nvPr/>
         </p:nvCxnSpPr>
         <p:spPr>
-          <a:xfrm>
-            <a:off x="1213496" y="1678951"/>
-            <a:ext cx="588229" cy="279342"/>
+          <a:xfrm flipH="1">
+            <a:off x="8856576" y="235899"/>
+            <a:ext cx="784783" cy="361081"/>
           </a:xfrm>
           <a:prstGeom prst="straightConnector1">
             <a:avLst/>
@@ -4510,10 +4554,10 @@
       </p:cxnSp>
       <p:sp>
         <p:nvSpPr>
-          <p:cNvPr id="38" name="TextBox 37">
-            <a:extLst>
-              <a:ext uri="{FF2B5EF4-FFF2-40B4-BE49-F238E27FC236}">
-                <a16:creationId xmlns:a16="http://schemas.microsoft.com/office/drawing/2014/main" id="{2F32C2E9-C7E8-36EC-35BF-1FF3D77DE510}"/>
+          <p:cNvPr id="42" name="TextBox 41">
+            <a:extLst>
+              <a:ext uri="{FF2B5EF4-FFF2-40B4-BE49-F238E27FC236}">
+                <a16:creationId xmlns:a16="http://schemas.microsoft.com/office/drawing/2014/main" id="{7D9BCB80-B227-2369-A1B1-5D8C1C5CCC51}"/>
               </a:ext>
             </a:extLst>
           </p:cNvPr>
@@ -4522,8 +4566,8 @@
         </p:nvSpPr>
         <p:spPr>
           <a:xfrm>
-            <a:off x="0" y="1368638"/>
-            <a:ext cx="2246335" cy="261610"/>
+            <a:off x="9641359" y="69644"/>
+            <a:ext cx="1453019" cy="600164"/>
           </a:xfrm>
           <a:prstGeom prst="rect">
             <a:avLst/>
@@ -4542,29 +4586,92 @@
                   <a:srgbClr val="FF0000"/>
                 </a:solidFill>
               </a:rPr>
-              <a:t>Dropdown menus</a:t>
-            </a:r>
-          </a:p>
-        </p:txBody>
-      </p:sp>
+              <a:t>Multipaned View for additional information [if any]</a:t>
+            </a:r>
+          </a:p>
+        </p:txBody>
+      </p:sp>
+      <p:pic>
+        <p:nvPicPr>
+          <p:cNvPr id="12" name="Picture 11" descr="A map of the world&#10;&#10;AI-generated content may be incorrect.">
+            <a:extLst>
+              <a:ext uri="{FF2B5EF4-FFF2-40B4-BE49-F238E27FC236}">
+                <a16:creationId xmlns:a16="http://schemas.microsoft.com/office/drawing/2014/main" id="{3F4A636B-3D27-81C0-3EA3-FF2AD5A7A370}"/>
+              </a:ext>
+            </a:extLst>
+          </p:cNvPr>
+          <p:cNvPicPr>
+            <a:picLocks noChangeAspect="1"/>
+          </p:cNvPicPr>
+          <p:nvPr/>
+        </p:nvPicPr>
+        <p:blipFill>
+          <a:blip r:embed="rId3"/>
+          <a:srcRect r="37871"/>
+          <a:stretch>
+            <a:fillRect/>
+          </a:stretch>
+        </p:blipFill>
+        <p:spPr>
+          <a:xfrm>
+            <a:off x="3634796" y="1114709"/>
+            <a:ext cx="6604523" cy="3280585"/>
+          </a:xfrm>
+          <a:prstGeom prst="rect">
+            <a:avLst/>
+          </a:prstGeom>
+        </p:spPr>
+      </p:pic>
+      <p:pic>
+        <p:nvPicPr>
+          <p:cNvPr id="13" name="Picture 12" descr="A map of the world&#10;&#10;AI-generated content may be incorrect.">
+            <a:extLst>
+              <a:ext uri="{FF2B5EF4-FFF2-40B4-BE49-F238E27FC236}">
+                <a16:creationId xmlns:a16="http://schemas.microsoft.com/office/drawing/2014/main" id="{5D3F8EAB-ED07-679A-7A2C-2D013C3DC8C9}"/>
+              </a:ext>
+            </a:extLst>
+          </p:cNvPr>
+          <p:cNvPicPr>
+            <a:picLocks noChangeAspect="1"/>
+          </p:cNvPicPr>
+          <p:nvPr/>
+        </p:nvPicPr>
+        <p:blipFill>
+          <a:blip r:embed="rId3"/>
+          <a:srcRect l="81173"/>
+          <a:stretch>
+            <a:fillRect/>
+          </a:stretch>
+        </p:blipFill>
+        <p:spPr>
+          <a:xfrm>
+            <a:off x="3820533" y="2362448"/>
+            <a:ext cx="939015" cy="1539173"/>
+          </a:xfrm>
+          <a:prstGeom prst="rect">
+            <a:avLst/>
+          </a:prstGeom>
+        </p:spPr>
+      </p:pic>
       <p:cxnSp>
         <p:nvCxnSpPr>
-          <p:cNvPr id="39" name="Straight Arrow Connector 38">
-            <a:extLst>
-              <a:ext uri="{FF2B5EF4-FFF2-40B4-BE49-F238E27FC236}">
-                <a16:creationId xmlns:a16="http://schemas.microsoft.com/office/drawing/2014/main" id="{0E8F81C4-B4D6-EB1D-01CA-AA0228A25A75}"/>
+          <p:cNvPr id="26" name="Straight Arrow Connector 25">
+            <a:extLst>
+              <a:ext uri="{FF2B5EF4-FFF2-40B4-BE49-F238E27FC236}">
+                <a16:creationId xmlns:a16="http://schemas.microsoft.com/office/drawing/2014/main" id="{7D7A66C1-D78F-C0B0-A70C-CEAEF589198A}"/>
               </a:ext>
             </a:extLst>
           </p:cNvPr>
           <p:cNvCxnSpPr>
             <a:cxnSpLocks/>
+            <a:stCxn id="28" idx="1"/>
           </p:cNvCxnSpPr>
           <p:nvPr/>
         </p:nvCxnSpPr>
         <p:spPr>
-          <a:xfrm>
-            <a:off x="1125814" y="2743663"/>
-            <a:ext cx="588229" cy="279342"/>
+          <a:xfrm flipH="1">
+            <a:off x="10064486" y="1353027"/>
+            <a:ext cx="413470" cy="130805"/>
           </a:xfrm>
           <a:prstGeom prst="straightConnector1">
             <a:avLst/>
@@ -4591,51 +4698,43 @@
           </a:fontRef>
         </p:style>
       </p:cxnSp>
-      <p:sp>
-        <p:nvSpPr>
-          <p:cNvPr id="40" name="TextBox 39">
-            <a:extLst>
-              <a:ext uri="{FF2B5EF4-FFF2-40B4-BE49-F238E27FC236}">
-                <a16:creationId xmlns:a16="http://schemas.microsoft.com/office/drawing/2014/main" id="{BAE2C428-8C40-5691-6A68-1DFBC50EA761}"/>
-              </a:ext>
-            </a:extLst>
-          </p:cNvPr>
-          <p:cNvSpPr txBox="1"/>
+      <p:pic>
+        <p:nvPicPr>
+          <p:cNvPr id="31" name="Picture 30" descr="A graph of different colored bars&#10;&#10;AI-generated content may be incorrect.">
+            <a:extLst>
+              <a:ext uri="{FF2B5EF4-FFF2-40B4-BE49-F238E27FC236}">
+                <a16:creationId xmlns:a16="http://schemas.microsoft.com/office/drawing/2014/main" id="{6015C681-6A50-9838-0867-66E6FFF93798}"/>
+              </a:ext>
+            </a:extLst>
+          </p:cNvPr>
+          <p:cNvPicPr>
+            <a:picLocks noChangeAspect="1"/>
+          </p:cNvPicPr>
           <p:nvPr/>
-        </p:nvSpPr>
-        <p:spPr>
-          <a:xfrm>
-            <a:off x="296760" y="2471618"/>
-            <a:ext cx="2246335" cy="261610"/>
+        </p:nvPicPr>
+        <p:blipFill>
+          <a:blip r:embed="rId4"/>
+          <a:srcRect t="1" b="3101"/>
+          <a:stretch>
+            <a:fillRect/>
+          </a:stretch>
+        </p:blipFill>
+        <p:spPr>
+          <a:xfrm>
+            <a:off x="1957060" y="4416714"/>
+            <a:ext cx="4791610" cy="1892766"/>
           </a:xfrm>
           <a:prstGeom prst="rect">
             <a:avLst/>
           </a:prstGeom>
-          <a:noFill/>
-        </p:spPr>
-        <p:txBody>
-          <a:bodyPr wrap="square" rtlCol="0">
-            <a:spAutoFit/>
-          </a:bodyPr>
-          <a:lstStyle/>
-          <a:p>
-            <a:r>
-              <a:rPr lang="en-US" sz="1100" dirty="0">
-                <a:solidFill>
-                  <a:srgbClr val="FF0000"/>
-                </a:solidFill>
-              </a:rPr>
-              <a:t>Slider filters</a:t>
-            </a:r>
-          </a:p>
-        </p:txBody>
-      </p:sp>
+        </p:spPr>
+      </p:pic>
       <p:cxnSp>
         <p:nvCxnSpPr>
-          <p:cNvPr id="41" name="Straight Arrow Connector 40">
-            <a:extLst>
-              <a:ext uri="{FF2B5EF4-FFF2-40B4-BE49-F238E27FC236}">
-                <a16:creationId xmlns:a16="http://schemas.microsoft.com/office/drawing/2014/main" id="{602A4A64-4DD2-12DE-D831-0B03E58C96B8}"/>
+          <p:cNvPr id="32" name="Straight Arrow Connector 31">
+            <a:extLst>
+              <a:ext uri="{FF2B5EF4-FFF2-40B4-BE49-F238E27FC236}">
+                <a16:creationId xmlns:a16="http://schemas.microsoft.com/office/drawing/2014/main" id="{EC4E1097-EEF1-9F63-9C4A-6955984C4E7B}"/>
               </a:ext>
             </a:extLst>
           </p:cNvPr>
@@ -4645,9 +4744,9 @@
           <p:nvPr/>
         </p:nvCxnSpPr>
         <p:spPr>
-          <a:xfrm flipH="1">
-            <a:off x="8856576" y="235899"/>
-            <a:ext cx="784783" cy="361081"/>
+          <a:xfrm flipH="1" flipV="1">
+            <a:off x="4584707" y="6051664"/>
+            <a:ext cx="784783" cy="303143"/>
           </a:xfrm>
           <a:prstGeom prst="straightConnector1">
             <a:avLst/>
@@ -4676,10 +4775,10 @@
       </p:cxnSp>
       <p:sp>
         <p:nvSpPr>
-          <p:cNvPr id="42" name="TextBox 41">
-            <a:extLst>
-              <a:ext uri="{FF2B5EF4-FFF2-40B4-BE49-F238E27FC236}">
-                <a16:creationId xmlns:a16="http://schemas.microsoft.com/office/drawing/2014/main" id="{7D9BCB80-B227-2369-A1B1-5D8C1C5CCC51}"/>
+          <p:cNvPr id="33" name="TextBox 32">
+            <a:extLst>
+              <a:ext uri="{FF2B5EF4-FFF2-40B4-BE49-F238E27FC236}">
+                <a16:creationId xmlns:a16="http://schemas.microsoft.com/office/drawing/2014/main" id="{60C19D0F-3882-1CEB-BE8C-D9055B244DC2}"/>
               </a:ext>
             </a:extLst>
           </p:cNvPr>
@@ -4688,8 +4787,8 @@
         </p:nvSpPr>
         <p:spPr>
           <a:xfrm>
-            <a:off x="9641359" y="69644"/>
-            <a:ext cx="1453019" cy="600164"/>
+            <a:off x="5369490" y="6188552"/>
+            <a:ext cx="2246335" cy="430887"/>
           </a:xfrm>
           <a:prstGeom prst="rect">
             <a:avLst/>
@@ -4708,7 +4807,7 @@
                   <a:srgbClr val="FF0000"/>
                 </a:solidFill>
               </a:rPr>
-              <a:t>Multipaned View for additional information [if any]</a:t>
+              <a:t>Bar charts / stream charts for comparing trends</a:t>
             </a:r>
           </a:p>
         </p:txBody>

--- a/img/drafts/sketch_labeled.pptx
+++ b/img/drafts/sketch_labeled.pptx
@@ -4,6 +4,9 @@
   <p:sldMasterIdLst>
     <p:sldMasterId id="2147483648" r:id="rId1"/>
   </p:sldMasterIdLst>
+  <p:notesMasterIdLst>
+    <p:notesMasterId r:id="rId3"/>
+  </p:notesMasterIdLst>
   <p:sldIdLst>
     <p:sldId id="256" r:id="rId2"/>
   </p:sldIdLst>
@@ -110,6 +113,440 @@
     </p:ext>
   </p:extLst>
 </p:presentation>
+</file>
+
+<file path=ppt/notesMasters/notesMaster1.xml><?xml version="1.0" encoding="utf-8"?>
+<p:notesMaster xmlns:a="http://schemas.openxmlformats.org/drawingml/2006/main" xmlns:r="http://schemas.openxmlformats.org/officeDocument/2006/relationships" xmlns:p="http://schemas.openxmlformats.org/presentationml/2006/main">
+  <p:cSld>
+    <p:bg>
+      <p:bgRef idx="1001">
+        <a:schemeClr val="bg1"/>
+      </p:bgRef>
+    </p:bg>
+    <p:spTree>
+      <p:nvGrpSpPr>
+        <p:cNvPr id="1" name=""/>
+        <p:cNvGrpSpPr/>
+        <p:nvPr/>
+      </p:nvGrpSpPr>
+      <p:grpSpPr>
+        <a:xfrm>
+          <a:off x="0" y="0"/>
+          <a:ext cx="0" cy="0"/>
+          <a:chOff x="0" y="0"/>
+          <a:chExt cx="0" cy="0"/>
+        </a:xfrm>
+      </p:grpSpPr>
+      <p:sp>
+        <p:nvSpPr>
+          <p:cNvPr id="2" name="Header Placeholder 1"/>
+          <p:cNvSpPr>
+            <a:spLocks noGrp="1"/>
+          </p:cNvSpPr>
+          <p:nvPr>
+            <p:ph type="hdr" sz="quarter"/>
+          </p:nvPr>
+        </p:nvSpPr>
+        <p:spPr>
+          <a:xfrm>
+            <a:off x="0" y="0"/>
+            <a:ext cx="2971800" cy="458788"/>
+          </a:xfrm>
+          <a:prstGeom prst="rect">
+            <a:avLst/>
+          </a:prstGeom>
+        </p:spPr>
+        <p:txBody>
+          <a:bodyPr vert="horz" lIns="91440" tIns="45720" rIns="91440" bIns="45720" rtlCol="0"/>
+          <a:lstStyle>
+            <a:lvl1pPr algn="l">
+              <a:defRPr sz="1200"/>
+            </a:lvl1pPr>
+          </a:lstStyle>
+          <a:p>
+            <a:endParaRPr lang="en-TH"/>
+          </a:p>
+        </p:txBody>
+      </p:sp>
+      <p:sp>
+        <p:nvSpPr>
+          <p:cNvPr id="3" name="Date Placeholder 2"/>
+          <p:cNvSpPr>
+            <a:spLocks noGrp="1"/>
+          </p:cNvSpPr>
+          <p:nvPr>
+            <p:ph type="dt" idx="1"/>
+          </p:nvPr>
+        </p:nvSpPr>
+        <p:spPr>
+          <a:xfrm>
+            <a:off x="3884613" y="0"/>
+            <a:ext cx="2971800" cy="458788"/>
+          </a:xfrm>
+          <a:prstGeom prst="rect">
+            <a:avLst/>
+          </a:prstGeom>
+        </p:spPr>
+        <p:txBody>
+          <a:bodyPr vert="horz" lIns="91440" tIns="45720" rIns="91440" bIns="45720" rtlCol="0"/>
+          <a:lstStyle>
+            <a:lvl1pPr algn="r">
+              <a:defRPr sz="1200"/>
+            </a:lvl1pPr>
+          </a:lstStyle>
+          <a:p>
+            <a:fld id="{35C2B999-5903-6242-8D04-82987AE30A95}" type="datetimeFigureOut">
+              <a:rPr lang="en-TH" smtClean="0"/>
+              <a:t>13/2/2026 R</a:t>
+            </a:fld>
+            <a:endParaRPr lang="en-TH"/>
+          </a:p>
+        </p:txBody>
+      </p:sp>
+      <p:sp>
+        <p:nvSpPr>
+          <p:cNvPr id="4" name="Slide Image Placeholder 3"/>
+          <p:cNvSpPr>
+            <a:spLocks noGrp="1" noRot="1" noChangeAspect="1"/>
+          </p:cNvSpPr>
+          <p:nvPr>
+            <p:ph type="sldImg" idx="2"/>
+          </p:nvPr>
+        </p:nvSpPr>
+        <p:spPr>
+          <a:xfrm>
+            <a:off x="685800" y="1143000"/>
+            <a:ext cx="5486400" cy="3086100"/>
+          </a:xfrm>
+          <a:prstGeom prst="rect">
+            <a:avLst/>
+          </a:prstGeom>
+          <a:noFill/>
+          <a:ln w="12700">
+            <a:solidFill>
+              <a:prstClr val="black"/>
+            </a:solidFill>
+          </a:ln>
+        </p:spPr>
+        <p:txBody>
+          <a:bodyPr vert="horz" lIns="91440" tIns="45720" rIns="91440" bIns="45720" rtlCol="0" anchor="ctr"/>
+          <a:lstStyle/>
+          <a:p>
+            <a:endParaRPr lang="en-TH"/>
+          </a:p>
+        </p:txBody>
+      </p:sp>
+      <p:sp>
+        <p:nvSpPr>
+          <p:cNvPr id="5" name="Notes Placeholder 4"/>
+          <p:cNvSpPr>
+            <a:spLocks noGrp="1"/>
+          </p:cNvSpPr>
+          <p:nvPr>
+            <p:ph type="body" sz="quarter" idx="3"/>
+          </p:nvPr>
+        </p:nvSpPr>
+        <p:spPr>
+          <a:xfrm>
+            <a:off x="685800" y="4400550"/>
+            <a:ext cx="5486400" cy="3600450"/>
+          </a:xfrm>
+          <a:prstGeom prst="rect">
+            <a:avLst/>
+          </a:prstGeom>
+        </p:spPr>
+        <p:txBody>
+          <a:bodyPr vert="horz" lIns="91440" tIns="45720" rIns="91440" bIns="45720" rtlCol="0"/>
+          <a:lstStyle/>
+          <a:p>
+            <a:pPr lvl="0"/>
+            <a:r>
+              <a:rPr lang="en-US"/>
+              <a:t>Click to edit Master text styles</a:t>
+            </a:r>
+          </a:p>
+          <a:p>
+            <a:pPr lvl="1"/>
+            <a:r>
+              <a:rPr lang="en-US"/>
+              <a:t>Second level</a:t>
+            </a:r>
+          </a:p>
+          <a:p>
+            <a:pPr lvl="2"/>
+            <a:r>
+              <a:rPr lang="en-US"/>
+              <a:t>Third level</a:t>
+            </a:r>
+          </a:p>
+          <a:p>
+            <a:pPr lvl="3"/>
+            <a:r>
+              <a:rPr lang="en-US"/>
+              <a:t>Fourth level</a:t>
+            </a:r>
+          </a:p>
+          <a:p>
+            <a:pPr lvl="4"/>
+            <a:r>
+              <a:rPr lang="en-US"/>
+              <a:t>Fifth level</a:t>
+            </a:r>
+            <a:endParaRPr lang="en-TH"/>
+          </a:p>
+        </p:txBody>
+      </p:sp>
+      <p:sp>
+        <p:nvSpPr>
+          <p:cNvPr id="6" name="Footer Placeholder 5"/>
+          <p:cNvSpPr>
+            <a:spLocks noGrp="1"/>
+          </p:cNvSpPr>
+          <p:nvPr>
+            <p:ph type="ftr" sz="quarter" idx="4"/>
+          </p:nvPr>
+        </p:nvSpPr>
+        <p:spPr>
+          <a:xfrm>
+            <a:off x="0" y="8685213"/>
+            <a:ext cx="2971800" cy="458787"/>
+          </a:xfrm>
+          <a:prstGeom prst="rect">
+            <a:avLst/>
+          </a:prstGeom>
+        </p:spPr>
+        <p:txBody>
+          <a:bodyPr vert="horz" lIns="91440" tIns="45720" rIns="91440" bIns="45720" rtlCol="0" anchor="b"/>
+          <a:lstStyle>
+            <a:lvl1pPr algn="l">
+              <a:defRPr sz="1200"/>
+            </a:lvl1pPr>
+          </a:lstStyle>
+          <a:p>
+            <a:endParaRPr lang="en-TH"/>
+          </a:p>
+        </p:txBody>
+      </p:sp>
+      <p:sp>
+        <p:nvSpPr>
+          <p:cNvPr id="7" name="Slide Number Placeholder 6"/>
+          <p:cNvSpPr>
+            <a:spLocks noGrp="1"/>
+          </p:cNvSpPr>
+          <p:nvPr>
+            <p:ph type="sldNum" sz="quarter" idx="5"/>
+          </p:nvPr>
+        </p:nvSpPr>
+        <p:spPr>
+          <a:xfrm>
+            <a:off x="3884613" y="8685213"/>
+            <a:ext cx="2971800" cy="458787"/>
+          </a:xfrm>
+          <a:prstGeom prst="rect">
+            <a:avLst/>
+          </a:prstGeom>
+        </p:spPr>
+        <p:txBody>
+          <a:bodyPr vert="horz" lIns="91440" tIns="45720" rIns="91440" bIns="45720" rtlCol="0" anchor="b"/>
+          <a:lstStyle>
+            <a:lvl1pPr algn="r">
+              <a:defRPr sz="1200"/>
+            </a:lvl1pPr>
+          </a:lstStyle>
+          <a:p>
+            <a:fld id="{E9BE8607-D926-7F4C-856B-A601B0B92B82}" type="slidenum">
+              <a:rPr lang="en-TH" smtClean="0"/>
+              <a:t>‹#›</a:t>
+            </a:fld>
+            <a:endParaRPr lang="en-TH"/>
+          </a:p>
+        </p:txBody>
+      </p:sp>
+    </p:spTree>
+    <p:extLst>
+      <p:ext uri="{BB962C8B-B14F-4D97-AF65-F5344CB8AC3E}">
+        <p14:creationId xmlns:p14="http://schemas.microsoft.com/office/powerpoint/2010/main" val="546324752"/>
+      </p:ext>
+    </p:extLst>
+  </p:cSld>
+  <p:clrMap bg1="lt1" tx1="dk1" bg2="lt2" tx2="dk2" accent1="accent1" accent2="accent2" accent3="accent3" accent4="accent4" accent5="accent5" accent6="accent6" hlink="hlink" folHlink="folHlink"/>
+  <p:notesStyle>
+    <a:lvl1pPr marL="0" algn="l" defTabSz="914400" rtl="0" eaLnBrk="1" latinLnBrk="0" hangingPunct="1">
+      <a:defRPr sz="1200" kern="1200">
+        <a:solidFill>
+          <a:schemeClr val="tx1"/>
+        </a:solidFill>
+        <a:latin typeface="+mn-lt"/>
+        <a:ea typeface="+mn-ea"/>
+        <a:cs typeface="+mn-cs"/>
+      </a:defRPr>
+    </a:lvl1pPr>
+    <a:lvl2pPr marL="457200" algn="l" defTabSz="914400" rtl="0" eaLnBrk="1" latinLnBrk="0" hangingPunct="1">
+      <a:defRPr sz="1200" kern="1200">
+        <a:solidFill>
+          <a:schemeClr val="tx1"/>
+        </a:solidFill>
+        <a:latin typeface="+mn-lt"/>
+        <a:ea typeface="+mn-ea"/>
+        <a:cs typeface="+mn-cs"/>
+      </a:defRPr>
+    </a:lvl2pPr>
+    <a:lvl3pPr marL="914400" algn="l" defTabSz="914400" rtl="0" eaLnBrk="1" latinLnBrk="0" hangingPunct="1">
+      <a:defRPr sz="1200" kern="1200">
+        <a:solidFill>
+          <a:schemeClr val="tx1"/>
+        </a:solidFill>
+        <a:latin typeface="+mn-lt"/>
+        <a:ea typeface="+mn-ea"/>
+        <a:cs typeface="+mn-cs"/>
+      </a:defRPr>
+    </a:lvl3pPr>
+    <a:lvl4pPr marL="1371600" algn="l" defTabSz="914400" rtl="0" eaLnBrk="1" latinLnBrk="0" hangingPunct="1">
+      <a:defRPr sz="1200" kern="1200">
+        <a:solidFill>
+          <a:schemeClr val="tx1"/>
+        </a:solidFill>
+        <a:latin typeface="+mn-lt"/>
+        <a:ea typeface="+mn-ea"/>
+        <a:cs typeface="+mn-cs"/>
+      </a:defRPr>
+    </a:lvl4pPr>
+    <a:lvl5pPr marL="1828800" algn="l" defTabSz="914400" rtl="0" eaLnBrk="1" latinLnBrk="0" hangingPunct="1">
+      <a:defRPr sz="1200" kern="1200">
+        <a:solidFill>
+          <a:schemeClr val="tx1"/>
+        </a:solidFill>
+        <a:latin typeface="+mn-lt"/>
+        <a:ea typeface="+mn-ea"/>
+        <a:cs typeface="+mn-cs"/>
+      </a:defRPr>
+    </a:lvl5pPr>
+    <a:lvl6pPr marL="2286000" algn="l" defTabSz="914400" rtl="0" eaLnBrk="1" latinLnBrk="0" hangingPunct="1">
+      <a:defRPr sz="1200" kern="1200">
+        <a:solidFill>
+          <a:schemeClr val="tx1"/>
+        </a:solidFill>
+        <a:latin typeface="+mn-lt"/>
+        <a:ea typeface="+mn-ea"/>
+        <a:cs typeface="+mn-cs"/>
+      </a:defRPr>
+    </a:lvl6pPr>
+    <a:lvl7pPr marL="2743200" algn="l" defTabSz="914400" rtl="0" eaLnBrk="1" latinLnBrk="0" hangingPunct="1">
+      <a:defRPr sz="1200" kern="1200">
+        <a:solidFill>
+          <a:schemeClr val="tx1"/>
+        </a:solidFill>
+        <a:latin typeface="+mn-lt"/>
+        <a:ea typeface="+mn-ea"/>
+        <a:cs typeface="+mn-cs"/>
+      </a:defRPr>
+    </a:lvl7pPr>
+    <a:lvl8pPr marL="3200400" algn="l" defTabSz="914400" rtl="0" eaLnBrk="1" latinLnBrk="0" hangingPunct="1">
+      <a:defRPr sz="1200" kern="1200">
+        <a:solidFill>
+          <a:schemeClr val="tx1"/>
+        </a:solidFill>
+        <a:latin typeface="+mn-lt"/>
+        <a:ea typeface="+mn-ea"/>
+        <a:cs typeface="+mn-cs"/>
+      </a:defRPr>
+    </a:lvl8pPr>
+    <a:lvl9pPr marL="3657600" algn="l" defTabSz="914400" rtl="0" eaLnBrk="1" latinLnBrk="0" hangingPunct="1">
+      <a:defRPr sz="1200" kern="1200">
+        <a:solidFill>
+          <a:schemeClr val="tx1"/>
+        </a:solidFill>
+        <a:latin typeface="+mn-lt"/>
+        <a:ea typeface="+mn-ea"/>
+        <a:cs typeface="+mn-cs"/>
+      </a:defRPr>
+    </a:lvl9pPr>
+  </p:notesStyle>
+</p:notesMaster>
+</file>
+
+<file path=ppt/notesSlides/notesSlide1.xml><?xml version="1.0" encoding="utf-8"?>
+<p:notes xmlns:a="http://schemas.openxmlformats.org/drawingml/2006/main" xmlns:r="http://schemas.openxmlformats.org/officeDocument/2006/relationships" xmlns:p="http://schemas.openxmlformats.org/presentationml/2006/main">
+  <p:cSld>
+    <p:spTree>
+      <p:nvGrpSpPr>
+        <p:cNvPr id="1" name=""/>
+        <p:cNvGrpSpPr/>
+        <p:nvPr/>
+      </p:nvGrpSpPr>
+      <p:grpSpPr>
+        <a:xfrm>
+          <a:off x="0" y="0"/>
+          <a:ext cx="0" cy="0"/>
+          <a:chOff x="0" y="0"/>
+          <a:chExt cx="0" cy="0"/>
+        </a:xfrm>
+      </p:grpSpPr>
+      <p:sp>
+        <p:nvSpPr>
+          <p:cNvPr id="2" name="Slide Image Placeholder 1"/>
+          <p:cNvSpPr>
+            <a:spLocks noGrp="1" noRot="1" noChangeAspect="1"/>
+          </p:cNvSpPr>
+          <p:nvPr>
+            <p:ph type="sldImg"/>
+          </p:nvPr>
+        </p:nvSpPr>
+        <p:spPr/>
+      </p:sp>
+      <p:sp>
+        <p:nvSpPr>
+          <p:cNvPr id="3" name="Notes Placeholder 2"/>
+          <p:cNvSpPr>
+            <a:spLocks noGrp="1"/>
+          </p:cNvSpPr>
+          <p:nvPr>
+            <p:ph type="body" idx="1"/>
+          </p:nvPr>
+        </p:nvSpPr>
+        <p:spPr/>
+        <p:txBody>
+          <a:bodyPr/>
+          <a:lstStyle/>
+          <a:p>
+            <a:endParaRPr lang="en-TH" dirty="0"/>
+          </a:p>
+        </p:txBody>
+      </p:sp>
+      <p:sp>
+        <p:nvSpPr>
+          <p:cNvPr id="4" name="Slide Number Placeholder 3"/>
+          <p:cNvSpPr>
+            <a:spLocks noGrp="1"/>
+          </p:cNvSpPr>
+          <p:nvPr>
+            <p:ph type="sldNum" sz="quarter" idx="5"/>
+          </p:nvPr>
+        </p:nvSpPr>
+        <p:spPr/>
+        <p:txBody>
+          <a:bodyPr/>
+          <a:lstStyle/>
+          <a:p>
+            <a:fld id="{E9BE8607-D926-7F4C-856B-A601B0B92B82}" type="slidenum">
+              <a:rPr lang="en-TH" smtClean="0"/>
+              <a:t>1</a:t>
+            </a:fld>
+            <a:endParaRPr lang="en-TH"/>
+          </a:p>
+        </p:txBody>
+      </p:sp>
+    </p:spTree>
+    <p:extLst>
+      <p:ext uri="{BB962C8B-B14F-4D97-AF65-F5344CB8AC3E}">
+        <p14:creationId xmlns:p14="http://schemas.microsoft.com/office/powerpoint/2010/main" val="3888711791"/>
+      </p:ext>
+    </p:extLst>
+  </p:cSld>
+  <p:clrMapOvr>
+    <a:masterClrMapping/>
+  </p:clrMapOvr>
+</p:notes>
 </file>
 
 <file path=ppt/slideLayouts/slideLayout1.xml><?xml version="1.0" encoding="utf-8"?>
@@ -3341,7 +3778,7 @@
           <p:nvPr/>
         </p:nvPicPr>
         <p:blipFill>
-          <a:blip r:embed="rId2"/>
+          <a:blip r:embed="rId3"/>
           <a:srcRect t="700" b="1451"/>
           <a:stretch>
             <a:fillRect/>
@@ -3676,7 +4113,7 @@
           <a:p>
             <a:r>
               <a:rPr lang="en-US" sz="1100" dirty="0"/>
-              <a:t>YEAR RANGE</a:t>
+              <a:t>VALUE RANGE</a:t>
             </a:r>
           </a:p>
         </p:txBody>
@@ -4176,12 +4613,51 @@
           </a:p>
         </p:txBody>
       </p:sp>
+      <p:sp>
+        <p:nvSpPr>
+          <p:cNvPr id="30" name="TextBox 29">
+            <a:extLst>
+              <a:ext uri="{FF2B5EF4-FFF2-40B4-BE49-F238E27FC236}">
+                <a16:creationId xmlns:a16="http://schemas.microsoft.com/office/drawing/2014/main" id="{C22F21FC-89C0-2F1F-52CF-6CDBF932036F}"/>
+              </a:ext>
+            </a:extLst>
+          </p:cNvPr>
+          <p:cNvSpPr txBox="1"/>
+          <p:nvPr/>
+        </p:nvSpPr>
+        <p:spPr>
+          <a:xfrm>
+            <a:off x="10204143" y="3996563"/>
+            <a:ext cx="1453019" cy="430887"/>
+          </a:xfrm>
+          <a:prstGeom prst="rect">
+            <a:avLst/>
+          </a:prstGeom>
+          <a:noFill/>
+        </p:spPr>
+        <p:txBody>
+          <a:bodyPr wrap="square" rtlCol="0">
+            <a:spAutoFit/>
+          </a:bodyPr>
+          <a:lstStyle/>
+          <a:p>
+            <a:r>
+              <a:rPr lang="en-US" sz="1100" dirty="0">
+                <a:solidFill>
+                  <a:srgbClr val="FF0000"/>
+                </a:solidFill>
+              </a:rPr>
+              <a:t>DATA TABLE showing filtered statistics</a:t>
+            </a:r>
+          </a:p>
+        </p:txBody>
+      </p:sp>
       <p:cxnSp>
         <p:nvCxnSpPr>
-          <p:cNvPr id="29" name="Straight Arrow Connector 28">
-            <a:extLst>
-              <a:ext uri="{FF2B5EF4-FFF2-40B4-BE49-F238E27FC236}">
-                <a16:creationId xmlns:a16="http://schemas.microsoft.com/office/drawing/2014/main" id="{B96E5980-CFF4-FA47-9781-92BD010D005A}"/>
+          <p:cNvPr id="34" name="Straight Arrow Connector 33">
+            <a:extLst>
+              <a:ext uri="{FF2B5EF4-FFF2-40B4-BE49-F238E27FC236}">
+                <a16:creationId xmlns:a16="http://schemas.microsoft.com/office/drawing/2014/main" id="{EA5CE0AE-1F54-2E54-7A60-80F9E9FBED7F}"/>
               </a:ext>
             </a:extLst>
           </p:cNvPr>
@@ -4191,9 +4667,9 @@
           <p:nvPr/>
         </p:nvCxnSpPr>
         <p:spPr>
-          <a:xfrm flipH="1" flipV="1">
-            <a:off x="9298669" y="6056536"/>
-            <a:ext cx="784783" cy="303143"/>
+          <a:xfrm>
+            <a:off x="1235901" y="597480"/>
+            <a:ext cx="588229" cy="279342"/>
           </a:xfrm>
           <a:prstGeom prst="straightConnector1">
             <a:avLst/>
@@ -4222,10 +4698,10 @@
       </p:cxnSp>
       <p:sp>
         <p:nvSpPr>
-          <p:cNvPr id="30" name="TextBox 29">
-            <a:extLst>
-              <a:ext uri="{FF2B5EF4-FFF2-40B4-BE49-F238E27FC236}">
-                <a16:creationId xmlns:a16="http://schemas.microsoft.com/office/drawing/2014/main" id="{C22F21FC-89C0-2F1F-52CF-6CDBF932036F}"/>
+          <p:cNvPr id="35" name="TextBox 34">
+            <a:extLst>
+              <a:ext uri="{FF2B5EF4-FFF2-40B4-BE49-F238E27FC236}">
+                <a16:creationId xmlns:a16="http://schemas.microsoft.com/office/drawing/2014/main" id="{E553F4EB-C3FB-1487-E8D7-8ECC13F44FB3}"/>
               </a:ext>
             </a:extLst>
           </p:cNvPr>
@@ -4234,8 +4710,8 @@
         </p:nvSpPr>
         <p:spPr>
           <a:xfrm>
-            <a:off x="10083452" y="6193424"/>
-            <a:ext cx="1453019" cy="430887"/>
+            <a:off x="22405" y="287167"/>
+            <a:ext cx="2246335" cy="261610"/>
           </a:xfrm>
           <a:prstGeom prst="rect">
             <a:avLst/>
@@ -4254,17 +4730,17 @@
                   <a:srgbClr val="FF0000"/>
                 </a:solidFill>
               </a:rPr>
-              <a:t>DATA TABLE showing filtered statistics</a:t>
+              <a:t>Dashboard title and filter toggle</a:t>
             </a:r>
           </a:p>
         </p:txBody>
       </p:sp>
       <p:cxnSp>
         <p:nvCxnSpPr>
-          <p:cNvPr id="34" name="Straight Arrow Connector 33">
-            <a:extLst>
-              <a:ext uri="{FF2B5EF4-FFF2-40B4-BE49-F238E27FC236}">
-                <a16:creationId xmlns:a16="http://schemas.microsoft.com/office/drawing/2014/main" id="{EA5CE0AE-1F54-2E54-7A60-80F9E9FBED7F}"/>
+          <p:cNvPr id="37" name="Straight Arrow Connector 36">
+            <a:extLst>
+              <a:ext uri="{FF2B5EF4-FFF2-40B4-BE49-F238E27FC236}">
+                <a16:creationId xmlns:a16="http://schemas.microsoft.com/office/drawing/2014/main" id="{E6C78BCF-8084-1A6F-AE73-CFC92CF11D98}"/>
               </a:ext>
             </a:extLst>
           </p:cNvPr>
@@ -4275,7 +4751,7 @@
         </p:nvCxnSpPr>
         <p:spPr>
           <a:xfrm>
-            <a:off x="1235901" y="597480"/>
+            <a:off x="1213496" y="1678951"/>
             <a:ext cx="588229" cy="279342"/>
           </a:xfrm>
           <a:prstGeom prst="straightConnector1">
@@ -4305,10 +4781,10 @@
       </p:cxnSp>
       <p:sp>
         <p:nvSpPr>
-          <p:cNvPr id="35" name="TextBox 34">
-            <a:extLst>
-              <a:ext uri="{FF2B5EF4-FFF2-40B4-BE49-F238E27FC236}">
-                <a16:creationId xmlns:a16="http://schemas.microsoft.com/office/drawing/2014/main" id="{E553F4EB-C3FB-1487-E8D7-8ECC13F44FB3}"/>
+          <p:cNvPr id="38" name="TextBox 37">
+            <a:extLst>
+              <a:ext uri="{FF2B5EF4-FFF2-40B4-BE49-F238E27FC236}">
+                <a16:creationId xmlns:a16="http://schemas.microsoft.com/office/drawing/2014/main" id="{2F32C2E9-C7E8-36EC-35BF-1FF3D77DE510}"/>
               </a:ext>
             </a:extLst>
           </p:cNvPr>
@@ -4317,7 +4793,7 @@
         </p:nvSpPr>
         <p:spPr>
           <a:xfrm>
-            <a:off x="22405" y="287167"/>
+            <a:off x="0" y="1368638"/>
             <a:ext cx="2246335" cy="261610"/>
           </a:xfrm>
           <a:prstGeom prst="rect">
@@ -4337,17 +4813,17 @@
                   <a:srgbClr val="FF0000"/>
                 </a:solidFill>
               </a:rPr>
-              <a:t>Dashboard title and filter toggle</a:t>
+              <a:t>Dropdown menus</a:t>
             </a:r>
           </a:p>
         </p:txBody>
       </p:sp>
       <p:cxnSp>
         <p:nvCxnSpPr>
-          <p:cNvPr id="37" name="Straight Arrow Connector 36">
-            <a:extLst>
-              <a:ext uri="{FF2B5EF4-FFF2-40B4-BE49-F238E27FC236}">
-                <a16:creationId xmlns:a16="http://schemas.microsoft.com/office/drawing/2014/main" id="{E6C78BCF-8084-1A6F-AE73-CFC92CF11D98}"/>
+          <p:cNvPr id="39" name="Straight Arrow Connector 38">
+            <a:extLst>
+              <a:ext uri="{FF2B5EF4-FFF2-40B4-BE49-F238E27FC236}">
+                <a16:creationId xmlns:a16="http://schemas.microsoft.com/office/drawing/2014/main" id="{0E8F81C4-B4D6-EB1D-01CA-AA0228A25A75}"/>
               </a:ext>
             </a:extLst>
           </p:cNvPr>
@@ -4358,7 +4834,7 @@
         </p:nvCxnSpPr>
         <p:spPr>
           <a:xfrm>
-            <a:off x="1213496" y="1678951"/>
+            <a:off x="1197072" y="2548369"/>
             <a:ext cx="588229" cy="279342"/>
           </a:xfrm>
           <a:prstGeom prst="straightConnector1">
@@ -4388,10 +4864,10 @@
       </p:cxnSp>
       <p:sp>
         <p:nvSpPr>
-          <p:cNvPr id="38" name="TextBox 37">
-            <a:extLst>
-              <a:ext uri="{FF2B5EF4-FFF2-40B4-BE49-F238E27FC236}">
-                <a16:creationId xmlns:a16="http://schemas.microsoft.com/office/drawing/2014/main" id="{2F32C2E9-C7E8-36EC-35BF-1FF3D77DE510}"/>
+          <p:cNvPr id="40" name="TextBox 39">
+            <a:extLst>
+              <a:ext uri="{FF2B5EF4-FFF2-40B4-BE49-F238E27FC236}">
+                <a16:creationId xmlns:a16="http://schemas.microsoft.com/office/drawing/2014/main" id="{BAE2C428-8C40-5691-6A68-1DFBC50EA761}"/>
               </a:ext>
             </a:extLst>
           </p:cNvPr>
@@ -4400,7 +4876,7 @@
         </p:nvSpPr>
         <p:spPr>
           <a:xfrm>
-            <a:off x="0" y="1368638"/>
+            <a:off x="368018" y="2276324"/>
             <a:ext cx="2246335" cy="261610"/>
           </a:xfrm>
           <a:prstGeom prst="rect">
@@ -4420,17 +4896,17 @@
                   <a:srgbClr val="FF0000"/>
                 </a:solidFill>
               </a:rPr>
-              <a:t>Dropdown menus</a:t>
+              <a:t>Slider filters</a:t>
             </a:r>
           </a:p>
         </p:txBody>
       </p:sp>
       <p:cxnSp>
         <p:nvCxnSpPr>
-          <p:cNvPr id="39" name="Straight Arrow Connector 38">
-            <a:extLst>
-              <a:ext uri="{FF2B5EF4-FFF2-40B4-BE49-F238E27FC236}">
-                <a16:creationId xmlns:a16="http://schemas.microsoft.com/office/drawing/2014/main" id="{0E8F81C4-B4D6-EB1D-01CA-AA0228A25A75}"/>
+          <p:cNvPr id="41" name="Straight Arrow Connector 40">
+            <a:extLst>
+              <a:ext uri="{FF2B5EF4-FFF2-40B4-BE49-F238E27FC236}">
+                <a16:creationId xmlns:a16="http://schemas.microsoft.com/office/drawing/2014/main" id="{602A4A64-4DD2-12DE-D831-0B03E58C96B8}"/>
               </a:ext>
             </a:extLst>
           </p:cNvPr>
@@ -4440,9 +4916,9 @@
           <p:nvPr/>
         </p:nvCxnSpPr>
         <p:spPr>
-          <a:xfrm>
-            <a:off x="1125814" y="2743663"/>
-            <a:ext cx="588229" cy="279342"/>
+          <a:xfrm flipH="1">
+            <a:off x="8856576" y="235899"/>
+            <a:ext cx="784783" cy="361081"/>
           </a:xfrm>
           <a:prstGeom prst="straightConnector1">
             <a:avLst/>
@@ -4471,10 +4947,10 @@
       </p:cxnSp>
       <p:sp>
         <p:nvSpPr>
-          <p:cNvPr id="40" name="TextBox 39">
-            <a:extLst>
-              <a:ext uri="{FF2B5EF4-FFF2-40B4-BE49-F238E27FC236}">
-                <a16:creationId xmlns:a16="http://schemas.microsoft.com/office/drawing/2014/main" id="{BAE2C428-8C40-5691-6A68-1DFBC50EA761}"/>
+          <p:cNvPr id="42" name="TextBox 41">
+            <a:extLst>
+              <a:ext uri="{FF2B5EF4-FFF2-40B4-BE49-F238E27FC236}">
+                <a16:creationId xmlns:a16="http://schemas.microsoft.com/office/drawing/2014/main" id="{7D9BCB80-B227-2369-A1B1-5D8C1C5CCC51}"/>
               </a:ext>
             </a:extLst>
           </p:cNvPr>
@@ -4483,8 +4959,8 @@
         </p:nvSpPr>
         <p:spPr>
           <a:xfrm>
-            <a:off x="296760" y="2471618"/>
-            <a:ext cx="2246335" cy="261610"/>
+            <a:off x="9641359" y="69644"/>
+            <a:ext cx="1453019" cy="600164"/>
           </a:xfrm>
           <a:prstGeom prst="rect">
             <a:avLst/>
@@ -4503,29 +4979,92 @@
                   <a:srgbClr val="FF0000"/>
                 </a:solidFill>
               </a:rPr>
-              <a:t>Slider filters</a:t>
-            </a:r>
-          </a:p>
-        </p:txBody>
-      </p:sp>
+              <a:t>Multipaned View for additional information [if any]</a:t>
+            </a:r>
+          </a:p>
+        </p:txBody>
+      </p:sp>
+      <p:pic>
+        <p:nvPicPr>
+          <p:cNvPr id="12" name="Picture 11" descr="A map of the world&#10;&#10;AI-generated content may be incorrect.">
+            <a:extLst>
+              <a:ext uri="{FF2B5EF4-FFF2-40B4-BE49-F238E27FC236}">
+                <a16:creationId xmlns:a16="http://schemas.microsoft.com/office/drawing/2014/main" id="{3F4A636B-3D27-81C0-3EA3-FF2AD5A7A370}"/>
+              </a:ext>
+            </a:extLst>
+          </p:cNvPr>
+          <p:cNvPicPr>
+            <a:picLocks noChangeAspect="1"/>
+          </p:cNvPicPr>
+          <p:nvPr/>
+        </p:nvPicPr>
+        <p:blipFill>
+          <a:blip r:embed="rId4"/>
+          <a:srcRect r="37871"/>
+          <a:stretch>
+            <a:fillRect/>
+          </a:stretch>
+        </p:blipFill>
+        <p:spPr>
+          <a:xfrm>
+            <a:off x="3634796" y="1114709"/>
+            <a:ext cx="6604523" cy="3280585"/>
+          </a:xfrm>
+          <a:prstGeom prst="rect">
+            <a:avLst/>
+          </a:prstGeom>
+        </p:spPr>
+      </p:pic>
+      <p:pic>
+        <p:nvPicPr>
+          <p:cNvPr id="13" name="Picture 12" descr="A map of the world&#10;&#10;AI-generated content may be incorrect.">
+            <a:extLst>
+              <a:ext uri="{FF2B5EF4-FFF2-40B4-BE49-F238E27FC236}">
+                <a16:creationId xmlns:a16="http://schemas.microsoft.com/office/drawing/2014/main" id="{5D3F8EAB-ED07-679A-7A2C-2D013C3DC8C9}"/>
+              </a:ext>
+            </a:extLst>
+          </p:cNvPr>
+          <p:cNvPicPr>
+            <a:picLocks noChangeAspect="1"/>
+          </p:cNvPicPr>
+          <p:nvPr/>
+        </p:nvPicPr>
+        <p:blipFill>
+          <a:blip r:embed="rId4"/>
+          <a:srcRect l="81173"/>
+          <a:stretch>
+            <a:fillRect/>
+          </a:stretch>
+        </p:blipFill>
+        <p:spPr>
+          <a:xfrm>
+            <a:off x="3820533" y="2362448"/>
+            <a:ext cx="939015" cy="1539173"/>
+          </a:xfrm>
+          <a:prstGeom prst="rect">
+            <a:avLst/>
+          </a:prstGeom>
+        </p:spPr>
+      </p:pic>
       <p:cxnSp>
         <p:nvCxnSpPr>
-          <p:cNvPr id="41" name="Straight Arrow Connector 40">
-            <a:extLst>
-              <a:ext uri="{FF2B5EF4-FFF2-40B4-BE49-F238E27FC236}">
-                <a16:creationId xmlns:a16="http://schemas.microsoft.com/office/drawing/2014/main" id="{602A4A64-4DD2-12DE-D831-0B03E58C96B8}"/>
+          <p:cNvPr id="26" name="Straight Arrow Connector 25">
+            <a:extLst>
+              <a:ext uri="{FF2B5EF4-FFF2-40B4-BE49-F238E27FC236}">
+                <a16:creationId xmlns:a16="http://schemas.microsoft.com/office/drawing/2014/main" id="{7D7A66C1-D78F-C0B0-A70C-CEAEF589198A}"/>
               </a:ext>
             </a:extLst>
           </p:cNvPr>
           <p:cNvCxnSpPr>
             <a:cxnSpLocks/>
+            <a:stCxn id="28" idx="1"/>
           </p:cNvCxnSpPr>
           <p:nvPr/>
         </p:nvCxnSpPr>
         <p:spPr>
           <a:xfrm flipH="1">
-            <a:off x="8856576" y="235899"/>
-            <a:ext cx="784783" cy="361081"/>
+            <a:off x="10064486" y="1353027"/>
+            <a:ext cx="413470" cy="130805"/>
           </a:xfrm>
           <a:prstGeom prst="straightConnector1">
             <a:avLst/>
@@ -4552,51 +5091,12 @@
           </a:fontRef>
         </p:style>
       </p:cxnSp>
-      <p:sp>
-        <p:nvSpPr>
-          <p:cNvPr id="42" name="TextBox 41">
-            <a:extLst>
-              <a:ext uri="{FF2B5EF4-FFF2-40B4-BE49-F238E27FC236}">
-                <a16:creationId xmlns:a16="http://schemas.microsoft.com/office/drawing/2014/main" id="{7D9BCB80-B227-2369-A1B1-5D8C1C5CCC51}"/>
-              </a:ext>
-            </a:extLst>
-          </p:cNvPr>
-          <p:cNvSpPr txBox="1"/>
-          <p:nvPr/>
-        </p:nvSpPr>
-        <p:spPr>
-          <a:xfrm>
-            <a:off x="9641359" y="69644"/>
-            <a:ext cx="1453019" cy="600164"/>
-          </a:xfrm>
-          <a:prstGeom prst="rect">
-            <a:avLst/>
-          </a:prstGeom>
-          <a:noFill/>
-        </p:spPr>
-        <p:txBody>
-          <a:bodyPr wrap="square" rtlCol="0">
-            <a:spAutoFit/>
-          </a:bodyPr>
-          <a:lstStyle/>
-          <a:p>
-            <a:r>
-              <a:rPr lang="en-US" sz="1100" dirty="0">
-                <a:solidFill>
-                  <a:srgbClr val="FF0000"/>
-                </a:solidFill>
-              </a:rPr>
-              <a:t>Multipaned View for additional information [if any]</a:t>
-            </a:r>
-          </a:p>
-        </p:txBody>
-      </p:sp>
       <p:pic>
         <p:nvPicPr>
-          <p:cNvPr id="12" name="Picture 11" descr="A map of the world&#10;&#10;AI-generated content may be incorrect.">
-            <a:extLst>
-              <a:ext uri="{FF2B5EF4-FFF2-40B4-BE49-F238E27FC236}">
-                <a16:creationId xmlns:a16="http://schemas.microsoft.com/office/drawing/2014/main" id="{3F4A636B-3D27-81C0-3EA3-FF2AD5A7A370}"/>
+          <p:cNvPr id="31" name="Picture 30" descr="A graph of different colored bars&#10;&#10;AI-generated content may be incorrect.">
+            <a:extLst>
+              <a:ext uri="{FF2B5EF4-FFF2-40B4-BE49-F238E27FC236}">
+                <a16:creationId xmlns:a16="http://schemas.microsoft.com/office/drawing/2014/main" id="{6015C681-6A50-9838-0867-66E6FFF93798}"/>
               </a:ext>
             </a:extLst>
           </p:cNvPr>
@@ -4606,72 +5106,40 @@
           <p:nvPr/>
         </p:nvPicPr>
         <p:blipFill>
-          <a:blip r:embed="rId3"/>
-          <a:srcRect r="37871"/>
+          <a:blip r:embed="rId5"/>
+          <a:srcRect t="1" b="3101"/>
           <a:stretch>
             <a:fillRect/>
           </a:stretch>
         </p:blipFill>
         <p:spPr>
           <a:xfrm>
-            <a:off x="3634796" y="1114709"/>
-            <a:ext cx="6604523" cy="3280585"/>
+            <a:off x="1687074" y="4450680"/>
+            <a:ext cx="3249443" cy="1693221"/>
           </a:xfrm>
           <a:prstGeom prst="rect">
             <a:avLst/>
           </a:prstGeom>
         </p:spPr>
       </p:pic>
-      <p:pic>
-        <p:nvPicPr>
-          <p:cNvPr id="13" name="Picture 12" descr="A map of the world&#10;&#10;AI-generated content may be incorrect.">
-            <a:extLst>
-              <a:ext uri="{FF2B5EF4-FFF2-40B4-BE49-F238E27FC236}">
-                <a16:creationId xmlns:a16="http://schemas.microsoft.com/office/drawing/2014/main" id="{5D3F8EAB-ED07-679A-7A2C-2D013C3DC8C9}"/>
-              </a:ext>
-            </a:extLst>
-          </p:cNvPr>
-          <p:cNvPicPr>
-            <a:picLocks noChangeAspect="1"/>
-          </p:cNvPicPr>
-          <p:nvPr/>
-        </p:nvPicPr>
-        <p:blipFill>
-          <a:blip r:embed="rId3"/>
-          <a:srcRect l="81173"/>
-          <a:stretch>
-            <a:fillRect/>
-          </a:stretch>
-        </p:blipFill>
-        <p:spPr>
-          <a:xfrm>
-            <a:off x="3820533" y="2362448"/>
-            <a:ext cx="939015" cy="1539173"/>
-          </a:xfrm>
-          <a:prstGeom prst="rect">
-            <a:avLst/>
-          </a:prstGeom>
-        </p:spPr>
-      </p:pic>
       <p:cxnSp>
         <p:nvCxnSpPr>
-          <p:cNvPr id="26" name="Straight Arrow Connector 25">
-            <a:extLst>
-              <a:ext uri="{FF2B5EF4-FFF2-40B4-BE49-F238E27FC236}">
-                <a16:creationId xmlns:a16="http://schemas.microsoft.com/office/drawing/2014/main" id="{7D7A66C1-D78F-C0B0-A70C-CEAEF589198A}"/>
+          <p:cNvPr id="32" name="Straight Arrow Connector 31">
+            <a:extLst>
+              <a:ext uri="{FF2B5EF4-FFF2-40B4-BE49-F238E27FC236}">
+                <a16:creationId xmlns:a16="http://schemas.microsoft.com/office/drawing/2014/main" id="{EC4E1097-EEF1-9F63-9C4A-6955984C4E7B}"/>
               </a:ext>
             </a:extLst>
           </p:cNvPr>
           <p:cNvCxnSpPr>
             <a:cxnSpLocks/>
-            <a:stCxn id="28" idx="1"/>
           </p:cNvCxnSpPr>
           <p:nvPr/>
         </p:nvCxnSpPr>
         <p:spPr>
-          <a:xfrm flipH="1">
-            <a:off x="10064486" y="1353027"/>
-            <a:ext cx="413470" cy="130805"/>
+          <a:xfrm flipV="1">
+            <a:off x="3656955" y="5805055"/>
+            <a:ext cx="0" cy="299275"/>
           </a:xfrm>
           <a:prstGeom prst="straightConnector1">
             <a:avLst/>
@@ -4698,43 +5166,98 @@
           </a:fontRef>
         </p:style>
       </p:cxnSp>
+      <p:sp>
+        <p:nvSpPr>
+          <p:cNvPr id="33" name="TextBox 32">
+            <a:extLst>
+              <a:ext uri="{FF2B5EF4-FFF2-40B4-BE49-F238E27FC236}">
+                <a16:creationId xmlns:a16="http://schemas.microsoft.com/office/drawing/2014/main" id="{60C19D0F-3882-1CEB-BE8C-D9055B244DC2}"/>
+              </a:ext>
+            </a:extLst>
+          </p:cNvPr>
+          <p:cNvSpPr txBox="1"/>
+          <p:nvPr/>
+        </p:nvSpPr>
+        <p:spPr>
+          <a:xfrm>
+            <a:off x="3121886" y="6045195"/>
+            <a:ext cx="2246335" cy="600164"/>
+          </a:xfrm>
+          <a:prstGeom prst="rect">
+            <a:avLst/>
+          </a:prstGeom>
+          <a:noFill/>
+        </p:spPr>
+        <p:txBody>
+          <a:bodyPr wrap="square" rtlCol="0">
+            <a:spAutoFit/>
+          </a:bodyPr>
+          <a:lstStyle/>
+          <a:p>
+            <a:r>
+              <a:rPr lang="en-US" sz="1100" dirty="0">
+                <a:solidFill>
+                  <a:srgbClr val="FF0000"/>
+                </a:solidFill>
+              </a:rPr>
+              <a:t>Bar charts for comparing trends of different features for different countries/regions specified</a:t>
+            </a:r>
+          </a:p>
+        </p:txBody>
+      </p:sp>
       <p:pic>
         <p:nvPicPr>
-          <p:cNvPr id="31" name="Picture 30" descr="A graph of different colored bars&#10;&#10;AI-generated content may be incorrect.">
-            <a:extLst>
-              <a:ext uri="{FF2B5EF4-FFF2-40B4-BE49-F238E27FC236}">
-                <a16:creationId xmlns:a16="http://schemas.microsoft.com/office/drawing/2014/main" id="{6015C681-6A50-9838-0867-66E6FFF93798}"/>
+          <p:cNvPr id="1028" name="Picture 4" descr="Ultimate Custom Scroll Bars Plugin | Bubble">
+            <a:extLst>
+              <a:ext uri="{FF2B5EF4-FFF2-40B4-BE49-F238E27FC236}">
+                <a16:creationId xmlns:a16="http://schemas.microsoft.com/office/drawing/2014/main" id="{97A4B20C-2071-1865-F70F-8BBEDA9EC23C}"/>
               </a:ext>
             </a:extLst>
           </p:cNvPr>
           <p:cNvPicPr>
-            <a:picLocks noChangeAspect="1"/>
+            <a:picLocks noChangeAspect="1" noChangeArrowheads="1"/>
           </p:cNvPicPr>
           <p:nvPr/>
         </p:nvPicPr>
-        <p:blipFill>
-          <a:blip r:embed="rId4"/>
-          <a:srcRect t="1" b="3101"/>
+        <p:blipFill rotWithShape="1">
+          <a:blip r:embed="rId6">
+            <a:extLst>
+              <a:ext uri="{28A0092B-C50C-407E-A947-70E740481C1C}">
+                <a14:useLocalDpi xmlns:a14="http://schemas.microsoft.com/office/drawing/2010/main" val="0"/>
+              </a:ext>
+            </a:extLst>
+          </a:blip>
+          <a:srcRect l="44788" t="1010" r="44949" b="3408"/>
           <a:stretch>
             <a:fillRect/>
           </a:stretch>
         </p:blipFill>
-        <p:spPr>
-          <a:xfrm>
-            <a:off x="1957060" y="4416714"/>
-            <a:ext cx="4791610" cy="1892766"/>
+        <p:spPr bwMode="auto">
+          <a:xfrm flipH="1">
+            <a:off x="10099452" y="4561549"/>
+            <a:ext cx="145743" cy="1357385"/>
           </a:xfrm>
           <a:prstGeom prst="rect">
             <a:avLst/>
           </a:prstGeom>
+          <a:noFill/>
+          <a:extLst>
+            <a:ext uri="{909E8E84-426E-40DD-AFC4-6F175D3DCCD1}">
+              <a14:hiddenFill xmlns:a14="http://schemas.microsoft.com/office/drawing/2010/main">
+                <a:solidFill>
+                  <a:srgbClr val="FFFFFF"/>
+                </a:solidFill>
+              </a14:hiddenFill>
+            </a:ext>
+          </a:extLst>
         </p:spPr>
       </p:pic>
       <p:cxnSp>
         <p:nvCxnSpPr>
-          <p:cNvPr id="32" name="Straight Arrow Connector 31">
-            <a:extLst>
-              <a:ext uri="{FF2B5EF4-FFF2-40B4-BE49-F238E27FC236}">
-                <a16:creationId xmlns:a16="http://schemas.microsoft.com/office/drawing/2014/main" id="{EC4E1097-EEF1-9F63-9C4A-6955984C4E7B}"/>
+          <p:cNvPr id="36" name="Straight Arrow Connector 35">
+            <a:extLst>
+              <a:ext uri="{FF2B5EF4-FFF2-40B4-BE49-F238E27FC236}">
+                <a16:creationId xmlns:a16="http://schemas.microsoft.com/office/drawing/2014/main" id="{A93FA507-E7FC-FC79-7D4F-450F5F5C9EE0}"/>
               </a:ext>
             </a:extLst>
           </p:cNvPr>
@@ -4745,8 +5268,8 @@
         </p:nvCxnSpPr>
         <p:spPr>
           <a:xfrm flipH="1" flipV="1">
-            <a:off x="4584707" y="6051664"/>
-            <a:ext cx="784783" cy="303143"/>
+            <a:off x="10230534" y="5545166"/>
+            <a:ext cx="341616" cy="315289"/>
           </a:xfrm>
           <a:prstGeom prst="straightConnector1">
             <a:avLst/>
@@ -4775,10 +5298,10 @@
       </p:cxnSp>
       <p:sp>
         <p:nvSpPr>
-          <p:cNvPr id="33" name="TextBox 32">
-            <a:extLst>
-              <a:ext uri="{FF2B5EF4-FFF2-40B4-BE49-F238E27FC236}">
-                <a16:creationId xmlns:a16="http://schemas.microsoft.com/office/drawing/2014/main" id="{60C19D0F-3882-1CEB-BE8C-D9055B244DC2}"/>
+          <p:cNvPr id="43" name="TextBox 42">
+            <a:extLst>
+              <a:ext uri="{FF2B5EF4-FFF2-40B4-BE49-F238E27FC236}">
+                <a16:creationId xmlns:a16="http://schemas.microsoft.com/office/drawing/2014/main" id="{33A94EE4-1F30-C0CC-A5B9-4B7F92A08651}"/>
               </a:ext>
             </a:extLst>
           </p:cNvPr>
@@ -4787,8 +5310,8 @@
         </p:nvSpPr>
         <p:spPr>
           <a:xfrm>
-            <a:off x="5369490" y="6188552"/>
-            <a:ext cx="2246335" cy="430887"/>
+            <a:off x="10514950" y="5823894"/>
+            <a:ext cx="893416" cy="261610"/>
           </a:xfrm>
           <a:prstGeom prst="rect">
             <a:avLst/>
@@ -4807,11 +5330,696 @@
                   <a:srgbClr val="FF0000"/>
                 </a:solidFill>
               </a:rPr>
-              <a:t>Bar charts / stream charts for comparing trends</a:t>
-            </a:r>
-          </a:p>
-        </p:txBody>
-      </p:sp>
+              <a:t>Scroll bars</a:t>
+            </a:r>
+          </a:p>
+        </p:txBody>
+      </p:sp>
+      <p:cxnSp>
+        <p:nvCxnSpPr>
+          <p:cNvPr id="45" name="Straight Arrow Connector 44">
+            <a:extLst>
+              <a:ext uri="{FF2B5EF4-FFF2-40B4-BE49-F238E27FC236}">
+                <a16:creationId xmlns:a16="http://schemas.microsoft.com/office/drawing/2014/main" id="{BE491F92-6C5C-9B70-F41B-E326A6F2DEE9}"/>
+              </a:ext>
+            </a:extLst>
+          </p:cNvPr>
+          <p:cNvCxnSpPr>
+            <a:cxnSpLocks/>
+          </p:cNvCxnSpPr>
+          <p:nvPr/>
+        </p:nvCxnSpPr>
+        <p:spPr>
+          <a:xfrm flipH="1" flipV="1">
+            <a:off x="4164251" y="3033459"/>
+            <a:ext cx="222336" cy="196743"/>
+          </a:xfrm>
+          <a:prstGeom prst="straightConnector1">
+            <a:avLst/>
+          </a:prstGeom>
+          <a:ln w="28575">
+            <a:solidFill>
+              <a:srgbClr val="FF0000"/>
+            </a:solidFill>
+            <a:tailEnd type="triangle"/>
+          </a:ln>
+        </p:spPr>
+        <p:style>
+          <a:lnRef idx="2">
+            <a:schemeClr val="accent1"/>
+          </a:lnRef>
+          <a:fillRef idx="0">
+            <a:schemeClr val="accent1"/>
+          </a:fillRef>
+          <a:effectRef idx="1">
+            <a:schemeClr val="accent1"/>
+          </a:effectRef>
+          <a:fontRef idx="minor">
+            <a:schemeClr val="tx1"/>
+          </a:fontRef>
+        </p:style>
+      </p:cxnSp>
+      <p:sp>
+        <p:nvSpPr>
+          <p:cNvPr id="46" name="TextBox 45">
+            <a:extLst>
+              <a:ext uri="{FF2B5EF4-FFF2-40B4-BE49-F238E27FC236}">
+                <a16:creationId xmlns:a16="http://schemas.microsoft.com/office/drawing/2014/main" id="{6E1680AE-CF2F-E34F-DFB5-7D39C1C1D592}"/>
+              </a:ext>
+            </a:extLst>
+          </p:cNvPr>
+          <p:cNvSpPr txBox="1"/>
+          <p:nvPr/>
+        </p:nvSpPr>
+        <p:spPr>
+          <a:xfrm>
+            <a:off x="4323364" y="3178404"/>
+            <a:ext cx="1453019" cy="261610"/>
+          </a:xfrm>
+          <a:prstGeom prst="rect">
+            <a:avLst/>
+          </a:prstGeom>
+          <a:noFill/>
+        </p:spPr>
+        <p:txBody>
+          <a:bodyPr wrap="square" rtlCol="0">
+            <a:spAutoFit/>
+          </a:bodyPr>
+          <a:lstStyle/>
+          <a:p>
+            <a:r>
+              <a:rPr lang="en-US" sz="1100" dirty="0">
+                <a:solidFill>
+                  <a:srgbClr val="FF0000"/>
+                </a:solidFill>
+              </a:rPr>
+              <a:t>Legend</a:t>
+            </a:r>
+          </a:p>
+        </p:txBody>
+      </p:sp>
+      <p:sp>
+        <p:nvSpPr>
+          <p:cNvPr id="48" name="Triangle 47">
+            <a:extLst>
+              <a:ext uri="{FF2B5EF4-FFF2-40B4-BE49-F238E27FC236}">
+                <a16:creationId xmlns:a16="http://schemas.microsoft.com/office/drawing/2014/main" id="{72A882F0-EC86-DC31-66AF-4B52286C1649}"/>
+              </a:ext>
+            </a:extLst>
+          </p:cNvPr>
+          <p:cNvSpPr/>
+          <p:nvPr/>
+        </p:nvSpPr>
+        <p:spPr>
+          <a:xfrm flipH="1" flipV="1">
+            <a:off x="1911812" y="1611480"/>
+            <a:ext cx="108000" cy="108000"/>
+          </a:xfrm>
+          <a:prstGeom prst="triangle">
+            <a:avLst/>
+          </a:prstGeom>
+          <a:solidFill>
+            <a:schemeClr val="bg1"/>
+          </a:solidFill>
+          <a:ln>
+            <a:solidFill>
+              <a:schemeClr val="bg1"/>
+            </a:solidFill>
+          </a:ln>
+        </p:spPr>
+        <p:style>
+          <a:lnRef idx="2">
+            <a:schemeClr val="accent1">
+              <a:shade val="15000"/>
+            </a:schemeClr>
+          </a:lnRef>
+          <a:fillRef idx="1">
+            <a:schemeClr val="accent1"/>
+          </a:fillRef>
+          <a:effectRef idx="0">
+            <a:schemeClr val="accent1"/>
+          </a:effectRef>
+          <a:fontRef idx="minor">
+            <a:schemeClr val="lt1"/>
+          </a:fontRef>
+        </p:style>
+        <p:txBody>
+          <a:bodyPr rtlCol="0" anchor="ctr"/>
+          <a:lstStyle/>
+          <a:p>
+            <a:pPr algn="ctr"/>
+            <a:endParaRPr lang="en-TH"/>
+          </a:p>
+        </p:txBody>
+      </p:sp>
+      <p:sp>
+        <p:nvSpPr>
+          <p:cNvPr id="49" name="Triangle 48">
+            <a:extLst>
+              <a:ext uri="{FF2B5EF4-FFF2-40B4-BE49-F238E27FC236}">
+                <a16:creationId xmlns:a16="http://schemas.microsoft.com/office/drawing/2014/main" id="{7A1934E0-5D91-4956-041E-5624E8039AA8}"/>
+              </a:ext>
+            </a:extLst>
+          </p:cNvPr>
+          <p:cNvSpPr/>
+          <p:nvPr/>
+        </p:nvSpPr>
+        <p:spPr>
+          <a:xfrm flipH="1" flipV="1">
+            <a:off x="1898681" y="1942926"/>
+            <a:ext cx="108000" cy="108000"/>
+          </a:xfrm>
+          <a:prstGeom prst="triangle">
+            <a:avLst/>
+          </a:prstGeom>
+          <a:solidFill>
+            <a:schemeClr val="bg1"/>
+          </a:solidFill>
+          <a:ln>
+            <a:solidFill>
+              <a:schemeClr val="bg1"/>
+            </a:solidFill>
+          </a:ln>
+        </p:spPr>
+        <p:style>
+          <a:lnRef idx="2">
+            <a:schemeClr val="accent1">
+              <a:shade val="15000"/>
+            </a:schemeClr>
+          </a:lnRef>
+          <a:fillRef idx="1">
+            <a:schemeClr val="accent1"/>
+          </a:fillRef>
+          <a:effectRef idx="0">
+            <a:schemeClr val="accent1"/>
+          </a:effectRef>
+          <a:fontRef idx="minor">
+            <a:schemeClr val="lt1"/>
+          </a:fontRef>
+        </p:style>
+        <p:txBody>
+          <a:bodyPr rtlCol="0" anchor="ctr"/>
+          <a:lstStyle/>
+          <a:p>
+            <a:pPr algn="ctr"/>
+            <a:endParaRPr lang="en-TH"/>
+          </a:p>
+        </p:txBody>
+      </p:sp>
+      <p:sp>
+        <p:nvSpPr>
+          <p:cNvPr id="50" name="Triangle 49">
+            <a:extLst>
+              <a:ext uri="{FF2B5EF4-FFF2-40B4-BE49-F238E27FC236}">
+                <a16:creationId xmlns:a16="http://schemas.microsoft.com/office/drawing/2014/main" id="{50F50E6D-6372-0C3A-A404-6DF2C6441975}"/>
+              </a:ext>
+            </a:extLst>
+          </p:cNvPr>
+          <p:cNvSpPr/>
+          <p:nvPr/>
+        </p:nvSpPr>
+        <p:spPr>
+          <a:xfrm flipH="1" flipV="1">
+            <a:off x="1898681" y="2304301"/>
+            <a:ext cx="108000" cy="108000"/>
+          </a:xfrm>
+          <a:prstGeom prst="triangle">
+            <a:avLst/>
+          </a:prstGeom>
+          <a:solidFill>
+            <a:schemeClr val="bg1"/>
+          </a:solidFill>
+          <a:ln>
+            <a:solidFill>
+              <a:schemeClr val="bg1"/>
+            </a:solidFill>
+          </a:ln>
+        </p:spPr>
+        <p:style>
+          <a:lnRef idx="2">
+            <a:schemeClr val="accent1">
+              <a:shade val="15000"/>
+            </a:schemeClr>
+          </a:lnRef>
+          <a:fillRef idx="1">
+            <a:schemeClr val="accent1"/>
+          </a:fillRef>
+          <a:effectRef idx="0">
+            <a:schemeClr val="accent1"/>
+          </a:effectRef>
+          <a:fontRef idx="minor">
+            <a:schemeClr val="lt1"/>
+          </a:fontRef>
+        </p:style>
+        <p:txBody>
+          <a:bodyPr rtlCol="0" anchor="ctr"/>
+          <a:lstStyle/>
+          <a:p>
+            <a:pPr algn="ctr"/>
+            <a:endParaRPr lang="en-TH"/>
+          </a:p>
+        </p:txBody>
+      </p:sp>
+      <p:pic>
+        <p:nvPicPr>
+          <p:cNvPr id="53" name="Picture 52" descr="A screenshot of a computer screen&#10;&#10;AI-generated content may be incorrect.">
+            <a:extLst>
+              <a:ext uri="{FF2B5EF4-FFF2-40B4-BE49-F238E27FC236}">
+                <a16:creationId xmlns:a16="http://schemas.microsoft.com/office/drawing/2014/main" id="{ACFD4A90-DD07-362A-2DB2-23B0F18A2C41}"/>
+              </a:ext>
+            </a:extLst>
+          </p:cNvPr>
+          <p:cNvPicPr>
+            <a:picLocks noChangeAspect="1"/>
+          </p:cNvPicPr>
+          <p:nvPr/>
+        </p:nvPicPr>
+        <p:blipFill>
+          <a:blip r:embed="rId7"/>
+          <a:stretch>
+            <a:fillRect/>
+          </a:stretch>
+        </p:blipFill>
+        <p:spPr>
+          <a:xfrm>
+            <a:off x="6788931" y="4453494"/>
+            <a:ext cx="3294522" cy="1442590"/>
+          </a:xfrm>
+          <a:prstGeom prst="rect">
+            <a:avLst/>
+          </a:prstGeom>
+        </p:spPr>
+      </p:pic>
+      <p:pic>
+        <p:nvPicPr>
+          <p:cNvPr id="54" name="Picture 4" descr="Ultimate Custom Scroll Bars Plugin | Bubble">
+            <a:extLst>
+              <a:ext uri="{FF2B5EF4-FFF2-40B4-BE49-F238E27FC236}">
+                <a16:creationId xmlns:a16="http://schemas.microsoft.com/office/drawing/2014/main" id="{2FEE898B-FD44-5BB6-2807-FD11B30A2BEA}"/>
+              </a:ext>
+            </a:extLst>
+          </p:cNvPr>
+          <p:cNvPicPr>
+            <a:picLocks noChangeAspect="1" noChangeArrowheads="1"/>
+          </p:cNvPicPr>
+          <p:nvPr/>
+        </p:nvPicPr>
+        <p:blipFill rotWithShape="1">
+          <a:blip r:embed="rId6">
+            <a:extLst>
+              <a:ext uri="{28A0092B-C50C-407E-A947-70E740481C1C}">
+                <a14:useLocalDpi xmlns:a14="http://schemas.microsoft.com/office/drawing/2010/main" val="0"/>
+              </a:ext>
+            </a:extLst>
+          </a:blip>
+          <a:srcRect l="44788" t="1010" r="44949" b="3408"/>
+          <a:stretch>
+            <a:fillRect/>
+          </a:stretch>
+        </p:blipFill>
+        <p:spPr bwMode="auto">
+          <a:xfrm rot="16200000" flipH="1">
+            <a:off x="8357058" y="4307738"/>
+            <a:ext cx="158274" cy="3339326"/>
+          </a:xfrm>
+          <a:prstGeom prst="rect">
+            <a:avLst/>
+          </a:prstGeom>
+          <a:noFill/>
+          <a:extLst>
+            <a:ext uri="{909E8E84-426E-40DD-AFC4-6F175D3DCCD1}">
+              <a14:hiddenFill xmlns:a14="http://schemas.microsoft.com/office/drawing/2010/main">
+                <a:solidFill>
+                  <a:srgbClr val="FFFFFF"/>
+                </a:solidFill>
+              </a14:hiddenFill>
+            </a:ext>
+          </a:extLst>
+        </p:spPr>
+      </p:pic>
+      <p:cxnSp>
+        <p:nvCxnSpPr>
+          <p:cNvPr id="55" name="Straight Arrow Connector 54">
+            <a:extLst>
+              <a:ext uri="{FF2B5EF4-FFF2-40B4-BE49-F238E27FC236}">
+                <a16:creationId xmlns:a16="http://schemas.microsoft.com/office/drawing/2014/main" id="{F71469FB-2077-D96D-D4A1-4E0E61379C0F}"/>
+              </a:ext>
+            </a:extLst>
+          </p:cNvPr>
+          <p:cNvCxnSpPr>
+            <a:cxnSpLocks/>
+          </p:cNvCxnSpPr>
+          <p:nvPr/>
+        </p:nvCxnSpPr>
+        <p:spPr>
+          <a:xfrm flipH="1">
+            <a:off x="10099452" y="5977401"/>
+            <a:ext cx="436371" cy="0"/>
+          </a:xfrm>
+          <a:prstGeom prst="straightConnector1">
+            <a:avLst/>
+          </a:prstGeom>
+          <a:ln w="28575">
+            <a:solidFill>
+              <a:srgbClr val="FF0000"/>
+            </a:solidFill>
+            <a:tailEnd type="triangle"/>
+          </a:ln>
+        </p:spPr>
+        <p:style>
+          <a:lnRef idx="2">
+            <a:schemeClr val="accent1"/>
+          </a:lnRef>
+          <a:fillRef idx="0">
+            <a:schemeClr val="accent1"/>
+          </a:fillRef>
+          <a:effectRef idx="1">
+            <a:schemeClr val="accent1"/>
+          </a:effectRef>
+          <a:fontRef idx="minor">
+            <a:schemeClr val="tx1"/>
+          </a:fontRef>
+        </p:style>
+      </p:cxnSp>
+      <p:cxnSp>
+        <p:nvCxnSpPr>
+          <p:cNvPr id="29" name="Straight Arrow Connector 28">
+            <a:extLst>
+              <a:ext uri="{FF2B5EF4-FFF2-40B4-BE49-F238E27FC236}">
+                <a16:creationId xmlns:a16="http://schemas.microsoft.com/office/drawing/2014/main" id="{B96E5980-CFF4-FA47-9781-92BD010D005A}"/>
+              </a:ext>
+            </a:extLst>
+          </p:cNvPr>
+          <p:cNvCxnSpPr>
+            <a:cxnSpLocks/>
+          </p:cNvCxnSpPr>
+          <p:nvPr/>
+        </p:nvCxnSpPr>
+        <p:spPr>
+          <a:xfrm flipH="1">
+            <a:off x="9752399" y="4234957"/>
+            <a:ext cx="486920" cy="216246"/>
+          </a:xfrm>
+          <a:prstGeom prst="straightConnector1">
+            <a:avLst/>
+          </a:prstGeom>
+          <a:ln w="28575">
+            <a:solidFill>
+              <a:srgbClr val="FF0000"/>
+            </a:solidFill>
+            <a:tailEnd type="triangle"/>
+          </a:ln>
+        </p:spPr>
+        <p:style>
+          <a:lnRef idx="2">
+            <a:schemeClr val="accent1"/>
+          </a:lnRef>
+          <a:fillRef idx="0">
+            <a:schemeClr val="accent1"/>
+          </a:fillRef>
+          <a:effectRef idx="1">
+            <a:schemeClr val="accent1"/>
+          </a:effectRef>
+          <a:fontRef idx="minor">
+            <a:schemeClr val="tx1"/>
+          </a:fontRef>
+        </p:style>
+      </p:cxnSp>
+      <p:pic>
+        <p:nvPicPr>
+          <p:cNvPr id="1027" name="Picture 1026" descr="A graph with a red line and blue dots&#10;&#10;AI-generated content may be incorrect.">
+            <a:extLst>
+              <a:ext uri="{FF2B5EF4-FFF2-40B4-BE49-F238E27FC236}">
+                <a16:creationId xmlns:a16="http://schemas.microsoft.com/office/drawing/2014/main" id="{8079C09B-030B-78A9-93D9-765DB8E5AE27}"/>
+              </a:ext>
+            </a:extLst>
+          </p:cNvPr>
+          <p:cNvPicPr>
+            <a:picLocks noChangeAspect="1"/>
+          </p:cNvPicPr>
+          <p:nvPr/>
+        </p:nvPicPr>
+        <p:blipFill>
+          <a:blip r:embed="rId8"/>
+          <a:stretch>
+            <a:fillRect/>
+          </a:stretch>
+        </p:blipFill>
+        <p:spPr>
+          <a:xfrm>
+            <a:off x="4936517" y="4454365"/>
+            <a:ext cx="1833000" cy="1496074"/>
+          </a:xfrm>
+          <a:prstGeom prst="rect">
+            <a:avLst/>
+          </a:prstGeom>
+        </p:spPr>
+      </p:pic>
+      <p:sp>
+        <p:nvSpPr>
+          <p:cNvPr id="1030" name="TextBox 1029">
+            <a:extLst>
+              <a:ext uri="{FF2B5EF4-FFF2-40B4-BE49-F238E27FC236}">
+                <a16:creationId xmlns:a16="http://schemas.microsoft.com/office/drawing/2014/main" id="{50506501-1424-A029-2106-D4350B66FC83}"/>
+              </a:ext>
+            </a:extLst>
+          </p:cNvPr>
+          <p:cNvSpPr txBox="1"/>
+          <p:nvPr/>
+        </p:nvSpPr>
+        <p:spPr>
+          <a:xfrm>
+            <a:off x="5349250" y="6047728"/>
+            <a:ext cx="2246335" cy="600164"/>
+          </a:xfrm>
+          <a:prstGeom prst="rect">
+            <a:avLst/>
+          </a:prstGeom>
+          <a:noFill/>
+        </p:spPr>
+        <p:txBody>
+          <a:bodyPr wrap="square" rtlCol="0">
+            <a:spAutoFit/>
+          </a:bodyPr>
+          <a:lstStyle/>
+          <a:p>
+            <a:r>
+              <a:rPr lang="en-US" sz="1100" dirty="0">
+                <a:solidFill>
+                  <a:srgbClr val="FF0000"/>
+                </a:solidFill>
+              </a:rPr>
+              <a:t>Scatter plot for comparing trends of different features for different countries/regions specified</a:t>
+            </a:r>
+          </a:p>
+        </p:txBody>
+      </p:sp>
+      <p:cxnSp>
+        <p:nvCxnSpPr>
+          <p:cNvPr id="1031" name="Straight Arrow Connector 1030">
+            <a:extLst>
+              <a:ext uri="{FF2B5EF4-FFF2-40B4-BE49-F238E27FC236}">
+                <a16:creationId xmlns:a16="http://schemas.microsoft.com/office/drawing/2014/main" id="{438813A0-106A-A9DD-FC5B-44BED4344FFB}"/>
+              </a:ext>
+            </a:extLst>
+          </p:cNvPr>
+          <p:cNvCxnSpPr>
+            <a:cxnSpLocks/>
+          </p:cNvCxnSpPr>
+          <p:nvPr/>
+        </p:nvCxnSpPr>
+        <p:spPr>
+          <a:xfrm flipV="1">
+            <a:off x="5498818" y="5815198"/>
+            <a:ext cx="0" cy="299275"/>
+          </a:xfrm>
+          <a:prstGeom prst="straightConnector1">
+            <a:avLst/>
+          </a:prstGeom>
+          <a:ln w="28575">
+            <a:solidFill>
+              <a:srgbClr val="FF0000"/>
+            </a:solidFill>
+            <a:tailEnd type="triangle"/>
+          </a:ln>
+        </p:spPr>
+        <p:style>
+          <a:lnRef idx="2">
+            <a:schemeClr val="accent1"/>
+          </a:lnRef>
+          <a:fillRef idx="0">
+            <a:schemeClr val="accent1"/>
+          </a:fillRef>
+          <a:effectRef idx="1">
+            <a:schemeClr val="accent1"/>
+          </a:effectRef>
+          <a:fontRef idx="minor">
+            <a:schemeClr val="tx1"/>
+          </a:fontRef>
+        </p:style>
+      </p:cxnSp>
+      <p:pic>
+        <p:nvPicPr>
+          <p:cNvPr id="1033" name="Picture 1032" descr="A close-up of a sign&#10;&#10;AI-generated content may be incorrect.">
+            <a:extLst>
+              <a:ext uri="{FF2B5EF4-FFF2-40B4-BE49-F238E27FC236}">
+                <a16:creationId xmlns:a16="http://schemas.microsoft.com/office/drawing/2014/main" id="{B86377F5-0162-D470-D7F8-55A248D7D3C6}"/>
+              </a:ext>
+            </a:extLst>
+          </p:cNvPr>
+          <p:cNvPicPr>
+            <a:picLocks noChangeAspect="1"/>
+          </p:cNvPicPr>
+          <p:nvPr/>
+        </p:nvPicPr>
+        <p:blipFill>
+          <a:blip r:embed="rId9"/>
+          <a:srcRect l="31449" t="24814" r="1353" b="5779"/>
+          <a:stretch>
+            <a:fillRect/>
+          </a:stretch>
+        </p:blipFill>
+        <p:spPr>
+          <a:xfrm>
+            <a:off x="6026967" y="2189765"/>
+            <a:ext cx="739565" cy="320437"/>
+          </a:xfrm>
+          <a:prstGeom prst="rect">
+            <a:avLst/>
+          </a:prstGeom>
+        </p:spPr>
+      </p:pic>
+      <p:pic>
+        <p:nvPicPr>
+          <p:cNvPr id="1034" name="Picture 6" descr="Cursor - Free interface icons">
+            <a:extLst>
+              <a:ext uri="{FF2B5EF4-FFF2-40B4-BE49-F238E27FC236}">
+                <a16:creationId xmlns:a16="http://schemas.microsoft.com/office/drawing/2014/main" id="{EB94334E-0747-2F17-EF52-21421DB798F9}"/>
+              </a:ext>
+            </a:extLst>
+          </p:cNvPr>
+          <p:cNvPicPr>
+            <a:picLocks noChangeAspect="1" noChangeArrowheads="1"/>
+          </p:cNvPicPr>
+          <p:nvPr/>
+        </p:nvPicPr>
+        <p:blipFill>
+          <a:blip r:embed="rId10">
+            <a:extLst>
+              <a:ext uri="{28A0092B-C50C-407E-A947-70E740481C1C}">
+                <a14:useLocalDpi xmlns:a14="http://schemas.microsoft.com/office/drawing/2010/main" val="0"/>
+              </a:ext>
+            </a:extLst>
+          </a:blip>
+          <a:srcRect/>
+          <a:stretch>
+            <a:fillRect/>
+          </a:stretch>
+        </p:blipFill>
+        <p:spPr bwMode="auto">
+          <a:xfrm>
+            <a:off x="5924199" y="2028720"/>
+            <a:ext cx="171800" cy="171800"/>
+          </a:xfrm>
+          <a:prstGeom prst="rect">
+            <a:avLst/>
+          </a:prstGeom>
+          <a:noFill/>
+          <a:extLst>
+            <a:ext uri="{909E8E84-426E-40DD-AFC4-6F175D3DCCD1}">
+              <a14:hiddenFill xmlns:a14="http://schemas.microsoft.com/office/drawing/2010/main">
+                <a:solidFill>
+                  <a:srgbClr val="FFFFFF"/>
+                </a:solidFill>
+              </a14:hiddenFill>
+            </a:ext>
+          </a:extLst>
+        </p:spPr>
+      </p:pic>
+      <p:sp>
+        <p:nvSpPr>
+          <p:cNvPr id="1035" name="TextBox 1034">
+            <a:extLst>
+              <a:ext uri="{FF2B5EF4-FFF2-40B4-BE49-F238E27FC236}">
+                <a16:creationId xmlns:a16="http://schemas.microsoft.com/office/drawing/2014/main" id="{EF3348DA-CB24-CC31-4911-160DF8782B2E}"/>
+              </a:ext>
+            </a:extLst>
+          </p:cNvPr>
+          <p:cNvSpPr txBox="1"/>
+          <p:nvPr/>
+        </p:nvSpPr>
+        <p:spPr>
+          <a:xfrm>
+            <a:off x="6396749" y="972218"/>
+            <a:ext cx="1048216" cy="430887"/>
+          </a:xfrm>
+          <a:prstGeom prst="rect">
+            <a:avLst/>
+          </a:prstGeom>
+          <a:noFill/>
+        </p:spPr>
+        <p:txBody>
+          <a:bodyPr wrap="square" rtlCol="0">
+            <a:spAutoFit/>
+          </a:bodyPr>
+          <a:lstStyle/>
+          <a:p>
+            <a:r>
+              <a:rPr lang="en-US" sz="1100" dirty="0">
+                <a:solidFill>
+                  <a:srgbClr val="FF0000"/>
+                </a:solidFill>
+              </a:rPr>
+              <a:t>Show tooltip on brush</a:t>
+            </a:r>
+          </a:p>
+        </p:txBody>
+      </p:sp>
+      <p:cxnSp>
+        <p:nvCxnSpPr>
+          <p:cNvPr id="1036" name="Straight Arrow Connector 1035">
+            <a:extLst>
+              <a:ext uri="{FF2B5EF4-FFF2-40B4-BE49-F238E27FC236}">
+                <a16:creationId xmlns:a16="http://schemas.microsoft.com/office/drawing/2014/main" id="{112F1DE3-660B-545F-D0F0-8A7617EBC170}"/>
+              </a:ext>
+            </a:extLst>
+          </p:cNvPr>
+          <p:cNvCxnSpPr>
+            <a:cxnSpLocks/>
+            <a:stCxn id="1035" idx="2"/>
+          </p:cNvCxnSpPr>
+          <p:nvPr/>
+        </p:nvCxnSpPr>
+        <p:spPr>
+          <a:xfrm flipH="1">
+            <a:off x="6232484" y="1403105"/>
+            <a:ext cx="688373" cy="730486"/>
+          </a:xfrm>
+          <a:prstGeom prst="straightConnector1">
+            <a:avLst/>
+          </a:prstGeom>
+          <a:ln w="28575">
+            <a:solidFill>
+              <a:srgbClr val="FF0000"/>
+            </a:solidFill>
+            <a:tailEnd type="triangle"/>
+          </a:ln>
+        </p:spPr>
+        <p:style>
+          <a:lnRef idx="2">
+            <a:schemeClr val="accent1"/>
+          </a:lnRef>
+          <a:fillRef idx="0">
+            <a:schemeClr val="accent1"/>
+          </a:fillRef>
+          <a:effectRef idx="1">
+            <a:schemeClr val="accent1"/>
+          </a:effectRef>
+          <a:fontRef idx="minor">
+            <a:schemeClr val="tx1"/>
+          </a:fontRef>
+        </p:style>
+      </p:cxnSp>
     </p:spTree>
     <p:extLst>
       <p:ext uri="{BB962C8B-B14F-4D97-AF65-F5344CB8AC3E}">
@@ -5138,4 +6346,319 @@
     </a:ext>
   </a:extLst>
 </a:theme>
+</file>
+
+<file path=ppt/theme/theme2.xml><?xml version="1.0" encoding="utf-8"?>
+<a:theme xmlns:a="http://schemas.openxmlformats.org/drawingml/2006/main" name="Office Theme">
+  <a:themeElements>
+    <a:clrScheme name="Office">
+      <a:dk1>
+        <a:sysClr val="windowText" lastClr="000000"/>
+      </a:dk1>
+      <a:lt1>
+        <a:sysClr val="window" lastClr="FFFFFF"/>
+      </a:lt1>
+      <a:dk2>
+        <a:srgbClr val="0E2841"/>
+      </a:dk2>
+      <a:lt2>
+        <a:srgbClr val="E8E8E8"/>
+      </a:lt2>
+      <a:accent1>
+        <a:srgbClr val="156082"/>
+      </a:accent1>
+      <a:accent2>
+        <a:srgbClr val="E97132"/>
+      </a:accent2>
+      <a:accent3>
+        <a:srgbClr val="196B24"/>
+      </a:accent3>
+      <a:accent4>
+        <a:srgbClr val="0F9ED5"/>
+      </a:accent4>
+      <a:accent5>
+        <a:srgbClr val="A02B93"/>
+      </a:accent5>
+      <a:accent6>
+        <a:srgbClr val="4EA72E"/>
+      </a:accent6>
+      <a:hlink>
+        <a:srgbClr val="467886"/>
+      </a:hlink>
+      <a:folHlink>
+        <a:srgbClr val="96607D"/>
+      </a:folHlink>
+    </a:clrScheme>
+    <a:fontScheme name="Office">
+      <a:majorFont>
+        <a:latin typeface="Aptos Display" panose="02110004020202020204"/>
+        <a:ea typeface=""/>
+        <a:cs typeface=""/>
+        <a:font script="Jpan" typeface="游ゴシック Light"/>
+        <a:font script="Hang" typeface="맑은 고딕"/>
+        <a:font script="Hans" typeface="等线 Light"/>
+        <a:font script="Hant" typeface="新細明體"/>
+        <a:font script="Arab" typeface="Times New Roman"/>
+        <a:font script="Hebr" typeface="Times New Roman"/>
+        <a:font script="Thai" typeface="Angsana New"/>
+        <a:font script="Ethi" typeface="Nyala"/>
+        <a:font script="Beng" typeface="Vrinda"/>
+        <a:font script="Gujr" typeface="Shruti"/>
+        <a:font script="Khmr" typeface="MoolBoran"/>
+        <a:font script="Knda" typeface="Tunga"/>
+        <a:font script="Guru" typeface="Raavi"/>
+        <a:font script="Cans" typeface="Euphemia"/>
+        <a:font script="Cher" typeface="Plantagenet Cherokee"/>
+        <a:font script="Yiii" typeface="Microsoft Yi Baiti"/>
+        <a:font script="Tibt" typeface="Microsoft Himalaya"/>
+        <a:font script="Thaa" typeface="MV Boli"/>
+        <a:font script="Deva" typeface="Mangal"/>
+        <a:font script="Telu" typeface="Gautami"/>
+        <a:font script="Taml" typeface="Latha"/>
+        <a:font script="Syrc" typeface="Estrangelo Edessa"/>
+        <a:font script="Orya" typeface="Kalinga"/>
+        <a:font script="Mlym" typeface="Kartika"/>
+        <a:font script="Laoo" typeface="DokChampa"/>
+        <a:font script="Sinh" typeface="Iskoola Pota"/>
+        <a:font script="Mong" typeface="Mongolian Baiti"/>
+        <a:font script="Viet" typeface="Times New Roman"/>
+        <a:font script="Uigh" typeface="Microsoft Uighur"/>
+        <a:font script="Geor" typeface="Sylfaen"/>
+        <a:font script="Armn" typeface="Arial"/>
+        <a:font script="Bugi" typeface="Leelawadee UI"/>
+        <a:font script="Bopo" typeface="Microsoft JhengHei"/>
+        <a:font script="Java" typeface="Javanese Text"/>
+        <a:font script="Lisu" typeface="Segoe UI"/>
+        <a:font script="Mymr" typeface="Myanmar Text"/>
+        <a:font script="Nkoo" typeface="Ebrima"/>
+        <a:font script="Olck" typeface="Nirmala UI"/>
+        <a:font script="Osma" typeface="Ebrima"/>
+        <a:font script="Phag" typeface="Phagspa"/>
+        <a:font script="Syrn" typeface="Estrangelo Edessa"/>
+        <a:font script="Syrj" typeface="Estrangelo Edessa"/>
+        <a:font script="Syre" typeface="Estrangelo Edessa"/>
+        <a:font script="Sora" typeface="Nirmala UI"/>
+        <a:font script="Tale" typeface="Microsoft Tai Le"/>
+        <a:font script="Talu" typeface="Microsoft New Tai Lue"/>
+        <a:font script="Tfng" typeface="Ebrima"/>
+      </a:majorFont>
+      <a:minorFont>
+        <a:latin typeface="Aptos" panose="02110004020202020204"/>
+        <a:ea typeface=""/>
+        <a:cs typeface=""/>
+        <a:font script="Jpan" typeface="游ゴシック"/>
+        <a:font script="Hang" typeface="맑은 고딕"/>
+        <a:font script="Hans" typeface="等线"/>
+        <a:font script="Hant" typeface="新細明體"/>
+        <a:font script="Arab" typeface="Arial"/>
+        <a:font script="Hebr" typeface="Arial"/>
+        <a:font script="Thai" typeface="Cordia New"/>
+        <a:font script="Ethi" typeface="Nyala"/>
+        <a:font script="Beng" typeface="Vrinda"/>
+        <a:font script="Gujr" typeface="Shruti"/>
+        <a:font script="Khmr" typeface="DaunPenh"/>
+        <a:font script="Knda" typeface="Tunga"/>
+        <a:font script="Guru" typeface="Raavi"/>
+        <a:font script="Cans" typeface="Euphemia"/>
+        <a:font script="Cher" typeface="Plantagenet Cherokee"/>
+        <a:font script="Yiii" typeface="Microsoft Yi Baiti"/>
+        <a:font script="Tibt" typeface="Microsoft Himalaya"/>
+        <a:font script="Thaa" typeface="MV Boli"/>
+        <a:font script="Deva" typeface="Mangal"/>
+        <a:font script="Telu" typeface="Gautami"/>
+        <a:font script="Taml" typeface="Latha"/>
+        <a:font script="Syrc" typeface="Estrangelo Edessa"/>
+        <a:font script="Orya" typeface="Kalinga"/>
+        <a:font script="Mlym" typeface="Kartika"/>
+        <a:font script="Laoo" typeface="DokChampa"/>
+        <a:font script="Sinh" typeface="Iskoola Pota"/>
+        <a:font script="Mong" typeface="Mongolian Baiti"/>
+        <a:font script="Viet" typeface="Arial"/>
+        <a:font script="Uigh" typeface="Microsoft Uighur"/>
+        <a:font script="Geor" typeface="Sylfaen"/>
+        <a:font script="Armn" typeface="Arial"/>
+        <a:font script="Bugi" typeface="Leelawadee UI"/>
+        <a:font script="Bopo" typeface="Microsoft JhengHei"/>
+        <a:font script="Java" typeface="Javanese Text"/>
+        <a:font script="Lisu" typeface="Segoe UI"/>
+        <a:font script="Mymr" typeface="Myanmar Text"/>
+        <a:font script="Nkoo" typeface="Ebrima"/>
+        <a:font script="Olck" typeface="Nirmala UI"/>
+        <a:font script="Osma" typeface="Ebrima"/>
+        <a:font script="Phag" typeface="Phagspa"/>
+        <a:font script="Syrn" typeface="Estrangelo Edessa"/>
+        <a:font script="Syrj" typeface="Estrangelo Edessa"/>
+        <a:font script="Syre" typeface="Estrangelo Edessa"/>
+        <a:font script="Sora" typeface="Nirmala UI"/>
+        <a:font script="Tale" typeface="Microsoft Tai Le"/>
+        <a:font script="Talu" typeface="Microsoft New Tai Lue"/>
+        <a:font script="Tfng" typeface="Ebrima"/>
+      </a:minorFont>
+    </a:fontScheme>
+    <a:fmtScheme name="Office">
+      <a:fillStyleLst>
+        <a:solidFill>
+          <a:schemeClr val="phClr"/>
+        </a:solidFill>
+        <a:gradFill rotWithShape="1">
+          <a:gsLst>
+            <a:gs pos="0">
+              <a:schemeClr val="phClr">
+                <a:lumMod val="110000"/>
+                <a:satMod val="105000"/>
+                <a:tint val="67000"/>
+              </a:schemeClr>
+            </a:gs>
+            <a:gs pos="50000">
+              <a:schemeClr val="phClr">
+                <a:lumMod val="105000"/>
+                <a:satMod val="103000"/>
+                <a:tint val="73000"/>
+              </a:schemeClr>
+            </a:gs>
+            <a:gs pos="100000">
+              <a:schemeClr val="phClr">
+                <a:lumMod val="105000"/>
+                <a:satMod val="109000"/>
+                <a:tint val="81000"/>
+              </a:schemeClr>
+            </a:gs>
+          </a:gsLst>
+          <a:lin ang="5400000" scaled="0"/>
+        </a:gradFill>
+        <a:gradFill rotWithShape="1">
+          <a:gsLst>
+            <a:gs pos="0">
+              <a:schemeClr val="phClr">
+                <a:satMod val="103000"/>
+                <a:lumMod val="102000"/>
+                <a:tint val="94000"/>
+              </a:schemeClr>
+            </a:gs>
+            <a:gs pos="50000">
+              <a:schemeClr val="phClr">
+                <a:satMod val="110000"/>
+                <a:lumMod val="100000"/>
+                <a:shade val="100000"/>
+              </a:schemeClr>
+            </a:gs>
+            <a:gs pos="100000">
+              <a:schemeClr val="phClr">
+                <a:lumMod val="99000"/>
+                <a:satMod val="120000"/>
+                <a:shade val="78000"/>
+              </a:schemeClr>
+            </a:gs>
+          </a:gsLst>
+          <a:lin ang="5400000" scaled="0"/>
+        </a:gradFill>
+      </a:fillStyleLst>
+      <a:lnStyleLst>
+        <a:ln w="12700" cap="flat" cmpd="sng" algn="ctr">
+          <a:solidFill>
+            <a:schemeClr val="phClr"/>
+          </a:solidFill>
+          <a:prstDash val="solid"/>
+          <a:miter lim="800000"/>
+        </a:ln>
+        <a:ln w="19050" cap="flat" cmpd="sng" algn="ctr">
+          <a:solidFill>
+            <a:schemeClr val="phClr"/>
+          </a:solidFill>
+          <a:prstDash val="solid"/>
+          <a:miter lim="800000"/>
+        </a:ln>
+        <a:ln w="25400" cap="flat" cmpd="sng" algn="ctr">
+          <a:solidFill>
+            <a:schemeClr val="phClr"/>
+          </a:solidFill>
+          <a:prstDash val="solid"/>
+          <a:miter lim="800000"/>
+        </a:ln>
+      </a:lnStyleLst>
+      <a:effectStyleLst>
+        <a:effectStyle>
+          <a:effectLst/>
+        </a:effectStyle>
+        <a:effectStyle>
+          <a:effectLst/>
+        </a:effectStyle>
+        <a:effectStyle>
+          <a:effectLst>
+            <a:outerShdw blurRad="57150" dist="19050" dir="5400000" algn="ctr" rotWithShape="0">
+              <a:srgbClr val="000000">
+                <a:alpha val="63000"/>
+              </a:srgbClr>
+            </a:outerShdw>
+          </a:effectLst>
+        </a:effectStyle>
+      </a:effectStyleLst>
+      <a:bgFillStyleLst>
+        <a:solidFill>
+          <a:schemeClr val="phClr"/>
+        </a:solidFill>
+        <a:solidFill>
+          <a:schemeClr val="phClr">
+            <a:tint val="95000"/>
+            <a:satMod val="170000"/>
+          </a:schemeClr>
+        </a:solidFill>
+        <a:gradFill rotWithShape="1">
+          <a:gsLst>
+            <a:gs pos="0">
+              <a:schemeClr val="phClr">
+                <a:tint val="93000"/>
+                <a:satMod val="150000"/>
+                <a:shade val="98000"/>
+                <a:lumMod val="102000"/>
+              </a:schemeClr>
+            </a:gs>
+            <a:gs pos="50000">
+              <a:schemeClr val="phClr">
+                <a:tint val="98000"/>
+                <a:satMod val="130000"/>
+                <a:shade val="90000"/>
+                <a:lumMod val="103000"/>
+              </a:schemeClr>
+            </a:gs>
+            <a:gs pos="100000">
+              <a:schemeClr val="phClr">
+                <a:shade val="63000"/>
+                <a:satMod val="120000"/>
+              </a:schemeClr>
+            </a:gs>
+          </a:gsLst>
+          <a:lin ang="5400000" scaled="0"/>
+        </a:gradFill>
+      </a:bgFillStyleLst>
+    </a:fmtScheme>
+  </a:themeElements>
+  <a:objectDefaults>
+    <a:lnDef>
+      <a:spPr/>
+      <a:bodyPr/>
+      <a:lstStyle/>
+      <a:style>
+        <a:lnRef idx="2">
+          <a:schemeClr val="accent1"/>
+        </a:lnRef>
+        <a:fillRef idx="0">
+          <a:schemeClr val="accent1"/>
+        </a:fillRef>
+        <a:effectRef idx="1">
+          <a:schemeClr val="accent1"/>
+        </a:effectRef>
+        <a:fontRef idx="minor">
+          <a:schemeClr val="tx1"/>
+        </a:fontRef>
+      </a:style>
+    </a:lnDef>
+  </a:objectDefaults>
+  <a:extraClrSchemeLst/>
+  <a:extLst>
+    <a:ext uri="{05A4C25C-085E-4340-85A3-A5531E510DB2}">
+      <thm15:themeFamily xmlns:thm15="http://schemas.microsoft.com/office/thememl/2012/main" name="Office Theme" id="{2E142A2C-CD16-42D6-873A-C26D2A0506FA}" vid="{1BDDFF52-6CD6-40A5-AB3C-68EB2F1E4D0A}"/>
+    </a:ext>
+  </a:extLst>
+</a:theme>
 </file>